--- a/assets/federated_prompt_learning.pptx
+++ b/assets/federated_prompt_learning.pptx
@@ -2,12 +2,12 @@
 <file path=ppt/presentation.xml><?xml version="1.0" encoding="utf-8"?>
 <p:presentation xmlns:a="http://schemas.openxmlformats.org/drawingml/2006/main" xmlns:r="http://schemas.openxmlformats.org/officeDocument/2006/relationships" xmlns:p="http://schemas.openxmlformats.org/presentationml/2006/main" saveSubsetFonts="1" autoCompressPictures="0">
   <p:sldMasterIdLst>
-    <p:sldMasterId id="2147483768" r:id="rId1"/>
+    <p:sldMasterId id="2147483876" r:id="rId1"/>
   </p:sldMasterIdLst>
   <p:sldIdLst>
     <p:sldId id="256" r:id="rId2"/>
   </p:sldIdLst>
-  <p:sldSz cx="9359900" cy="6840538"/>
+  <p:sldSz cx="17279938" cy="10799763"/>
   <p:notesSz cx="6858000" cy="9144000"/>
   <p:defaultTextStyle>
     <a:defPPr>
@@ -141,15 +141,15 @@
         </p:nvSpPr>
         <p:spPr>
           <a:xfrm>
-            <a:off x="701993" y="1119505"/>
-            <a:ext cx="7955915" cy="2381521"/>
+            <a:off x="2159992" y="1767462"/>
+            <a:ext cx="12959954" cy="3759917"/>
           </a:xfrm>
         </p:spPr>
         <p:txBody>
           <a:bodyPr anchor="b"/>
           <a:lstStyle>
             <a:lvl1pPr algn="ctr">
-              <a:defRPr sz="5985"/>
+              <a:defRPr sz="8504"/>
             </a:lvl1pPr>
           </a:lstStyle>
           <a:p>
@@ -173,8 +173,8 @@
         </p:nvSpPr>
         <p:spPr>
           <a:xfrm>
-            <a:off x="1169988" y="3592866"/>
-            <a:ext cx="7019925" cy="1651546"/>
+            <a:off x="2159992" y="5672376"/>
+            <a:ext cx="12959954" cy="2607442"/>
           </a:xfrm>
         </p:spPr>
         <p:txBody>
@@ -182,39 +182,39 @@
           <a:lstStyle>
             <a:lvl1pPr marL="0" indent="0" algn="ctr">
               <a:buNone/>
-              <a:defRPr sz="2394"/>
+              <a:defRPr sz="3402"/>
             </a:lvl1pPr>
-            <a:lvl2pPr marL="456057" indent="0" algn="ctr">
+            <a:lvl2pPr marL="647990" indent="0" algn="ctr">
               <a:buNone/>
-              <a:defRPr sz="1995"/>
+              <a:defRPr sz="2835"/>
             </a:lvl2pPr>
-            <a:lvl3pPr marL="912114" indent="0" algn="ctr">
+            <a:lvl3pPr marL="1295979" indent="0" algn="ctr">
               <a:buNone/>
-              <a:defRPr sz="1795"/>
+              <a:defRPr sz="2551"/>
             </a:lvl3pPr>
-            <a:lvl4pPr marL="1368171" indent="0" algn="ctr">
+            <a:lvl4pPr marL="1943969" indent="0" algn="ctr">
               <a:buNone/>
-              <a:defRPr sz="1596"/>
+              <a:defRPr sz="2268"/>
             </a:lvl4pPr>
-            <a:lvl5pPr marL="1824228" indent="0" algn="ctr">
+            <a:lvl5pPr marL="2591958" indent="0" algn="ctr">
               <a:buNone/>
-              <a:defRPr sz="1596"/>
+              <a:defRPr sz="2268"/>
             </a:lvl5pPr>
-            <a:lvl6pPr marL="2280285" indent="0" algn="ctr">
+            <a:lvl6pPr marL="3239948" indent="0" algn="ctr">
               <a:buNone/>
-              <a:defRPr sz="1596"/>
+              <a:defRPr sz="2268"/>
             </a:lvl6pPr>
-            <a:lvl7pPr marL="2736342" indent="0" algn="ctr">
+            <a:lvl7pPr marL="3887937" indent="0" algn="ctr">
               <a:buNone/>
-              <a:defRPr sz="1596"/>
+              <a:defRPr sz="2268"/>
             </a:lvl7pPr>
-            <a:lvl8pPr marL="3192399" indent="0" algn="ctr">
+            <a:lvl8pPr marL="4535927" indent="0" algn="ctr">
               <a:buNone/>
-              <a:defRPr sz="1596"/>
+              <a:defRPr sz="2268"/>
             </a:lvl8pPr>
-            <a:lvl9pPr marL="3648456" indent="0" algn="ctr">
+            <a:lvl9pPr marL="5183916" indent="0" algn="ctr">
               <a:buNone/>
-              <a:defRPr sz="1596"/>
+              <a:defRPr sz="2268"/>
             </a:lvl9pPr>
           </a:lstStyle>
           <a:p>
@@ -243,7 +243,7 @@
           <a:p>
             <a:fld id="{FDB6E4C0-652F-7246-A27C-17FD43D09069}" type="datetimeFigureOut">
               <a:rPr lang="en-CN" smtClean="0"/>
-              <a:t>2024/8/16</a:t>
+              <a:t>2024/8/19</a:t>
             </a:fld>
             <a:endParaRPr lang="en-CN"/>
           </a:p>
@@ -294,7 +294,7 @@
     </p:spTree>
     <p:extLst>
       <p:ext uri="{BB962C8B-B14F-4D97-AF65-F5344CB8AC3E}">
-        <p14:creationId xmlns:p14="http://schemas.microsoft.com/office/powerpoint/2010/main" val="2536476245"/>
+        <p14:creationId xmlns:p14="http://schemas.microsoft.com/office/powerpoint/2010/main" val="1862992506"/>
       </p:ext>
     </p:extLst>
   </p:cSld>
@@ -413,7 +413,7 @@
           <a:p>
             <a:fld id="{FDB6E4C0-652F-7246-A27C-17FD43D09069}" type="datetimeFigureOut">
               <a:rPr lang="en-CN" smtClean="0"/>
-              <a:t>2024/8/16</a:t>
+              <a:t>2024/8/19</a:t>
             </a:fld>
             <a:endParaRPr lang="en-CN"/>
           </a:p>
@@ -464,7 +464,7 @@
     </p:spTree>
     <p:extLst>
       <p:ext uri="{BB962C8B-B14F-4D97-AF65-F5344CB8AC3E}">
-        <p14:creationId xmlns:p14="http://schemas.microsoft.com/office/powerpoint/2010/main" val="4159897458"/>
+        <p14:creationId xmlns:p14="http://schemas.microsoft.com/office/powerpoint/2010/main" val="2859174566"/>
       </p:ext>
     </p:extLst>
   </p:cSld>
@@ -503,8 +503,8 @@
         </p:nvSpPr>
         <p:spPr>
           <a:xfrm>
-            <a:off x="6698179" y="364195"/>
-            <a:ext cx="2018228" cy="5797040"/>
+            <a:off x="12365955" y="574987"/>
+            <a:ext cx="3725987" cy="9152300"/>
           </a:xfrm>
         </p:spPr>
         <p:txBody>
@@ -531,8 +531,8 @@
         </p:nvSpPr>
         <p:spPr>
           <a:xfrm>
-            <a:off x="643493" y="364195"/>
-            <a:ext cx="5937687" cy="5797040"/>
+            <a:off x="1187996" y="574987"/>
+            <a:ext cx="10961961" cy="9152300"/>
           </a:xfrm>
         </p:spPr>
         <p:txBody>
@@ -593,7 +593,7 @@
           <a:p>
             <a:fld id="{FDB6E4C0-652F-7246-A27C-17FD43D09069}" type="datetimeFigureOut">
               <a:rPr lang="en-CN" smtClean="0"/>
-              <a:t>2024/8/16</a:t>
+              <a:t>2024/8/19</a:t>
             </a:fld>
             <a:endParaRPr lang="en-CN"/>
           </a:p>
@@ -644,7 +644,7 @@
     </p:spTree>
     <p:extLst>
       <p:ext uri="{BB962C8B-B14F-4D97-AF65-F5344CB8AC3E}">
-        <p14:creationId xmlns:p14="http://schemas.microsoft.com/office/powerpoint/2010/main" val="1609034277"/>
+        <p14:creationId xmlns:p14="http://schemas.microsoft.com/office/powerpoint/2010/main" val="1331519442"/>
       </p:ext>
     </p:extLst>
   </p:cSld>
@@ -763,7 +763,7 @@
           <a:p>
             <a:fld id="{FDB6E4C0-652F-7246-A27C-17FD43D09069}" type="datetimeFigureOut">
               <a:rPr lang="en-CN" smtClean="0"/>
-              <a:t>2024/8/16</a:t>
+              <a:t>2024/8/19</a:t>
             </a:fld>
             <a:endParaRPr lang="en-CN"/>
           </a:p>
@@ -814,7 +814,7 @@
     </p:spTree>
     <p:extLst>
       <p:ext uri="{BB962C8B-B14F-4D97-AF65-F5344CB8AC3E}">
-        <p14:creationId xmlns:p14="http://schemas.microsoft.com/office/powerpoint/2010/main" val="3712178984"/>
+        <p14:creationId xmlns:p14="http://schemas.microsoft.com/office/powerpoint/2010/main" val="2670801168"/>
       </p:ext>
     </p:extLst>
   </p:cSld>
@@ -853,15 +853,15 @@
         </p:nvSpPr>
         <p:spPr>
           <a:xfrm>
-            <a:off x="638619" y="1705386"/>
-            <a:ext cx="8072914" cy="2845473"/>
+            <a:off x="1178996" y="2692442"/>
+            <a:ext cx="14903947" cy="4492401"/>
           </a:xfrm>
         </p:spPr>
         <p:txBody>
           <a:bodyPr anchor="b"/>
           <a:lstStyle>
             <a:lvl1pPr>
-              <a:defRPr sz="5985"/>
+              <a:defRPr sz="8504"/>
             </a:lvl1pPr>
           </a:lstStyle>
           <a:p>
@@ -885,8 +885,8 @@
         </p:nvSpPr>
         <p:spPr>
           <a:xfrm>
-            <a:off x="638619" y="4577779"/>
-            <a:ext cx="8072914" cy="1496367"/>
+            <a:off x="1178996" y="7227343"/>
+            <a:ext cx="14903947" cy="2362447"/>
           </a:xfrm>
         </p:spPr>
         <p:txBody>
@@ -894,15 +894,17 @@
           <a:lstStyle>
             <a:lvl1pPr marL="0" indent="0">
               <a:buNone/>
-              <a:defRPr sz="2394">
+              <a:defRPr sz="3402">
                 <a:solidFill>
-                  <a:schemeClr val="tx1"/>
+                  <a:schemeClr val="tx1">
+                    <a:tint val="75000"/>
+                  </a:schemeClr>
                 </a:solidFill>
               </a:defRPr>
             </a:lvl1pPr>
-            <a:lvl2pPr marL="456057" indent="0">
+            <a:lvl2pPr marL="647990" indent="0">
               <a:buNone/>
-              <a:defRPr sz="1995">
+              <a:defRPr sz="2835">
                 <a:solidFill>
                   <a:schemeClr val="tx1">
                     <a:tint val="75000"/>
@@ -910,9 +912,9 @@
                 </a:solidFill>
               </a:defRPr>
             </a:lvl2pPr>
-            <a:lvl3pPr marL="912114" indent="0">
+            <a:lvl3pPr marL="1295979" indent="0">
               <a:buNone/>
-              <a:defRPr sz="1795">
+              <a:defRPr sz="2551">
                 <a:solidFill>
                   <a:schemeClr val="tx1">
                     <a:tint val="75000"/>
@@ -920,9 +922,9 @@
                 </a:solidFill>
               </a:defRPr>
             </a:lvl3pPr>
-            <a:lvl4pPr marL="1368171" indent="0">
+            <a:lvl4pPr marL="1943969" indent="0">
               <a:buNone/>
-              <a:defRPr sz="1596">
+              <a:defRPr sz="2268">
                 <a:solidFill>
                   <a:schemeClr val="tx1">
                     <a:tint val="75000"/>
@@ -930,9 +932,9 @@
                 </a:solidFill>
               </a:defRPr>
             </a:lvl4pPr>
-            <a:lvl5pPr marL="1824228" indent="0">
+            <a:lvl5pPr marL="2591958" indent="0">
               <a:buNone/>
-              <a:defRPr sz="1596">
+              <a:defRPr sz="2268">
                 <a:solidFill>
                   <a:schemeClr val="tx1">
                     <a:tint val="75000"/>
@@ -940,9 +942,9 @@
                 </a:solidFill>
               </a:defRPr>
             </a:lvl5pPr>
-            <a:lvl6pPr marL="2280285" indent="0">
+            <a:lvl6pPr marL="3239948" indent="0">
               <a:buNone/>
-              <a:defRPr sz="1596">
+              <a:defRPr sz="2268">
                 <a:solidFill>
                   <a:schemeClr val="tx1">
                     <a:tint val="75000"/>
@@ -950,9 +952,9 @@
                 </a:solidFill>
               </a:defRPr>
             </a:lvl6pPr>
-            <a:lvl7pPr marL="2736342" indent="0">
+            <a:lvl7pPr marL="3887937" indent="0">
               <a:buNone/>
-              <a:defRPr sz="1596">
+              <a:defRPr sz="2268">
                 <a:solidFill>
                   <a:schemeClr val="tx1">
                     <a:tint val="75000"/>
@@ -960,9 +962,9 @@
                 </a:solidFill>
               </a:defRPr>
             </a:lvl7pPr>
-            <a:lvl8pPr marL="3192399" indent="0">
+            <a:lvl8pPr marL="4535927" indent="0">
               <a:buNone/>
-              <a:defRPr sz="1596">
+              <a:defRPr sz="2268">
                 <a:solidFill>
                   <a:schemeClr val="tx1">
                     <a:tint val="75000"/>
@@ -970,9 +972,9 @@
                 </a:solidFill>
               </a:defRPr>
             </a:lvl8pPr>
-            <a:lvl9pPr marL="3648456" indent="0">
+            <a:lvl9pPr marL="5183916" indent="0">
               <a:buNone/>
-              <a:defRPr sz="1596">
+              <a:defRPr sz="2268">
                 <a:solidFill>
                   <a:schemeClr val="tx1">
                     <a:tint val="75000"/>
@@ -1007,7 +1009,7 @@
           <a:p>
             <a:fld id="{FDB6E4C0-652F-7246-A27C-17FD43D09069}" type="datetimeFigureOut">
               <a:rPr lang="en-CN" smtClean="0"/>
-              <a:t>2024/8/16</a:t>
+              <a:t>2024/8/19</a:t>
             </a:fld>
             <a:endParaRPr lang="en-CN"/>
           </a:p>
@@ -1058,7 +1060,7 @@
     </p:spTree>
     <p:extLst>
       <p:ext uri="{BB962C8B-B14F-4D97-AF65-F5344CB8AC3E}">
-        <p14:creationId xmlns:p14="http://schemas.microsoft.com/office/powerpoint/2010/main" val="3861997097"/>
+        <p14:creationId xmlns:p14="http://schemas.microsoft.com/office/powerpoint/2010/main" val="1440146837"/>
       </p:ext>
     </p:extLst>
   </p:cSld>
@@ -1120,8 +1122,8 @@
         </p:nvSpPr>
         <p:spPr>
           <a:xfrm>
-            <a:off x="643493" y="1820976"/>
-            <a:ext cx="3977958" cy="4340259"/>
+            <a:off x="1187996" y="2874937"/>
+            <a:ext cx="7343974" cy="6852350"/>
           </a:xfrm>
         </p:spPr>
         <p:txBody>
@@ -1177,8 +1179,8 @@
         </p:nvSpPr>
         <p:spPr>
           <a:xfrm>
-            <a:off x="4738449" y="1820976"/>
-            <a:ext cx="3977958" cy="4340259"/>
+            <a:off x="8747968" y="2874937"/>
+            <a:ext cx="7343974" cy="6852350"/>
           </a:xfrm>
         </p:spPr>
         <p:txBody>
@@ -1239,7 +1241,7 @@
           <a:p>
             <a:fld id="{FDB6E4C0-652F-7246-A27C-17FD43D09069}" type="datetimeFigureOut">
               <a:rPr lang="en-CN" smtClean="0"/>
-              <a:t>2024/8/16</a:t>
+              <a:t>2024/8/19</a:t>
             </a:fld>
             <a:endParaRPr lang="en-CN"/>
           </a:p>
@@ -1290,7 +1292,7 @@
     </p:spTree>
     <p:extLst>
       <p:ext uri="{BB962C8B-B14F-4D97-AF65-F5344CB8AC3E}">
-        <p14:creationId xmlns:p14="http://schemas.microsoft.com/office/powerpoint/2010/main" val="3410888276"/>
+        <p14:creationId xmlns:p14="http://schemas.microsoft.com/office/powerpoint/2010/main" val="4000355297"/>
       </p:ext>
     </p:extLst>
   </p:cSld>
@@ -1329,8 +1331,8 @@
         </p:nvSpPr>
         <p:spPr>
           <a:xfrm>
-            <a:off x="644712" y="364197"/>
-            <a:ext cx="8072914" cy="1322188"/>
+            <a:off x="1190246" y="574988"/>
+            <a:ext cx="14903947" cy="2087455"/>
           </a:xfrm>
         </p:spPr>
         <p:txBody>
@@ -1357,8 +1359,8 @@
         </p:nvSpPr>
         <p:spPr>
           <a:xfrm>
-            <a:off x="644713" y="1676882"/>
-            <a:ext cx="3959676" cy="821814"/>
+            <a:off x="1190247" y="2647443"/>
+            <a:ext cx="7310223" cy="1297471"/>
           </a:xfrm>
         </p:spPr>
         <p:txBody>
@@ -1366,39 +1368,39 @@
           <a:lstStyle>
             <a:lvl1pPr marL="0" indent="0">
               <a:buNone/>
-              <a:defRPr sz="2394" b="1"/>
+              <a:defRPr sz="3402" b="1"/>
             </a:lvl1pPr>
-            <a:lvl2pPr marL="456057" indent="0">
+            <a:lvl2pPr marL="647990" indent="0">
               <a:buNone/>
-              <a:defRPr sz="1995" b="1"/>
+              <a:defRPr sz="2835" b="1"/>
             </a:lvl2pPr>
-            <a:lvl3pPr marL="912114" indent="0">
+            <a:lvl3pPr marL="1295979" indent="0">
               <a:buNone/>
-              <a:defRPr sz="1795" b="1"/>
+              <a:defRPr sz="2551" b="1"/>
             </a:lvl3pPr>
-            <a:lvl4pPr marL="1368171" indent="0">
+            <a:lvl4pPr marL="1943969" indent="0">
               <a:buNone/>
-              <a:defRPr sz="1596" b="1"/>
+              <a:defRPr sz="2268" b="1"/>
             </a:lvl4pPr>
-            <a:lvl5pPr marL="1824228" indent="0">
+            <a:lvl5pPr marL="2591958" indent="0">
               <a:buNone/>
-              <a:defRPr sz="1596" b="1"/>
+              <a:defRPr sz="2268" b="1"/>
             </a:lvl5pPr>
-            <a:lvl6pPr marL="2280285" indent="0">
+            <a:lvl6pPr marL="3239948" indent="0">
               <a:buNone/>
-              <a:defRPr sz="1596" b="1"/>
+              <a:defRPr sz="2268" b="1"/>
             </a:lvl6pPr>
-            <a:lvl7pPr marL="2736342" indent="0">
+            <a:lvl7pPr marL="3887937" indent="0">
               <a:buNone/>
-              <a:defRPr sz="1596" b="1"/>
+              <a:defRPr sz="2268" b="1"/>
             </a:lvl7pPr>
-            <a:lvl8pPr marL="3192399" indent="0">
+            <a:lvl8pPr marL="4535927" indent="0">
               <a:buNone/>
-              <a:defRPr sz="1596" b="1"/>
+              <a:defRPr sz="2268" b="1"/>
             </a:lvl8pPr>
-            <a:lvl9pPr marL="3648456" indent="0">
+            <a:lvl9pPr marL="5183916" indent="0">
               <a:buNone/>
-              <a:defRPr sz="1596" b="1"/>
+              <a:defRPr sz="2268" b="1"/>
             </a:lvl9pPr>
           </a:lstStyle>
           <a:p>
@@ -1422,8 +1424,8 @@
         </p:nvSpPr>
         <p:spPr>
           <a:xfrm>
-            <a:off x="644713" y="2498697"/>
-            <a:ext cx="3959676" cy="3675206"/>
+            <a:off x="1190247" y="3944914"/>
+            <a:ext cx="7310223" cy="5802373"/>
           </a:xfrm>
         </p:spPr>
         <p:txBody>
@@ -1479,8 +1481,8 @@
         </p:nvSpPr>
         <p:spPr>
           <a:xfrm>
-            <a:off x="4738450" y="1676882"/>
-            <a:ext cx="3979177" cy="821814"/>
+            <a:off x="8747969" y="2647443"/>
+            <a:ext cx="7346224" cy="1297471"/>
           </a:xfrm>
         </p:spPr>
         <p:txBody>
@@ -1488,39 +1490,39 @@
           <a:lstStyle>
             <a:lvl1pPr marL="0" indent="0">
               <a:buNone/>
-              <a:defRPr sz="2394" b="1"/>
+              <a:defRPr sz="3402" b="1"/>
             </a:lvl1pPr>
-            <a:lvl2pPr marL="456057" indent="0">
+            <a:lvl2pPr marL="647990" indent="0">
               <a:buNone/>
-              <a:defRPr sz="1995" b="1"/>
+              <a:defRPr sz="2835" b="1"/>
             </a:lvl2pPr>
-            <a:lvl3pPr marL="912114" indent="0">
+            <a:lvl3pPr marL="1295979" indent="0">
               <a:buNone/>
-              <a:defRPr sz="1795" b="1"/>
+              <a:defRPr sz="2551" b="1"/>
             </a:lvl3pPr>
-            <a:lvl4pPr marL="1368171" indent="0">
+            <a:lvl4pPr marL="1943969" indent="0">
               <a:buNone/>
-              <a:defRPr sz="1596" b="1"/>
+              <a:defRPr sz="2268" b="1"/>
             </a:lvl4pPr>
-            <a:lvl5pPr marL="1824228" indent="0">
+            <a:lvl5pPr marL="2591958" indent="0">
               <a:buNone/>
-              <a:defRPr sz="1596" b="1"/>
+              <a:defRPr sz="2268" b="1"/>
             </a:lvl5pPr>
-            <a:lvl6pPr marL="2280285" indent="0">
+            <a:lvl6pPr marL="3239948" indent="0">
               <a:buNone/>
-              <a:defRPr sz="1596" b="1"/>
+              <a:defRPr sz="2268" b="1"/>
             </a:lvl6pPr>
-            <a:lvl7pPr marL="2736342" indent="0">
+            <a:lvl7pPr marL="3887937" indent="0">
               <a:buNone/>
-              <a:defRPr sz="1596" b="1"/>
+              <a:defRPr sz="2268" b="1"/>
             </a:lvl7pPr>
-            <a:lvl8pPr marL="3192399" indent="0">
+            <a:lvl8pPr marL="4535927" indent="0">
               <a:buNone/>
-              <a:defRPr sz="1596" b="1"/>
+              <a:defRPr sz="2268" b="1"/>
             </a:lvl8pPr>
-            <a:lvl9pPr marL="3648456" indent="0">
+            <a:lvl9pPr marL="5183916" indent="0">
               <a:buNone/>
-              <a:defRPr sz="1596" b="1"/>
+              <a:defRPr sz="2268" b="1"/>
             </a:lvl9pPr>
           </a:lstStyle>
           <a:p>
@@ -1544,8 +1546,8 @@
         </p:nvSpPr>
         <p:spPr>
           <a:xfrm>
-            <a:off x="4738450" y="2498697"/>
-            <a:ext cx="3979177" cy="3675206"/>
+            <a:off x="8747969" y="3944914"/>
+            <a:ext cx="7346224" cy="5802373"/>
           </a:xfrm>
         </p:spPr>
         <p:txBody>
@@ -1606,7 +1608,7 @@
           <a:p>
             <a:fld id="{FDB6E4C0-652F-7246-A27C-17FD43D09069}" type="datetimeFigureOut">
               <a:rPr lang="en-CN" smtClean="0"/>
-              <a:t>2024/8/16</a:t>
+              <a:t>2024/8/19</a:t>
             </a:fld>
             <a:endParaRPr lang="en-CN"/>
           </a:p>
@@ -1657,7 +1659,7 @@
     </p:spTree>
     <p:extLst>
       <p:ext uri="{BB962C8B-B14F-4D97-AF65-F5344CB8AC3E}">
-        <p14:creationId xmlns:p14="http://schemas.microsoft.com/office/powerpoint/2010/main" val="2970804016"/>
+        <p14:creationId xmlns:p14="http://schemas.microsoft.com/office/powerpoint/2010/main" val="2754404685"/>
       </p:ext>
     </p:extLst>
   </p:cSld>
@@ -1724,7 +1726,7 @@
           <a:p>
             <a:fld id="{FDB6E4C0-652F-7246-A27C-17FD43D09069}" type="datetimeFigureOut">
               <a:rPr lang="en-CN" smtClean="0"/>
-              <a:t>2024/8/16</a:t>
+              <a:t>2024/8/19</a:t>
             </a:fld>
             <a:endParaRPr lang="en-CN"/>
           </a:p>
@@ -1775,7 +1777,7 @@
     </p:spTree>
     <p:extLst>
       <p:ext uri="{BB962C8B-B14F-4D97-AF65-F5344CB8AC3E}">
-        <p14:creationId xmlns:p14="http://schemas.microsoft.com/office/powerpoint/2010/main" val="1112044915"/>
+        <p14:creationId xmlns:p14="http://schemas.microsoft.com/office/powerpoint/2010/main" val="3154527906"/>
       </p:ext>
     </p:extLst>
   </p:cSld>
@@ -1819,7 +1821,7 @@
           <a:p>
             <a:fld id="{FDB6E4C0-652F-7246-A27C-17FD43D09069}" type="datetimeFigureOut">
               <a:rPr lang="en-CN" smtClean="0"/>
-              <a:t>2024/8/16</a:t>
+              <a:t>2024/8/19</a:t>
             </a:fld>
             <a:endParaRPr lang="en-CN"/>
           </a:p>
@@ -1870,7 +1872,7 @@
     </p:spTree>
     <p:extLst>
       <p:ext uri="{BB962C8B-B14F-4D97-AF65-F5344CB8AC3E}">
-        <p14:creationId xmlns:p14="http://schemas.microsoft.com/office/powerpoint/2010/main" val="3838900339"/>
+        <p14:creationId xmlns:p14="http://schemas.microsoft.com/office/powerpoint/2010/main" val="1454237759"/>
       </p:ext>
     </p:extLst>
   </p:cSld>
@@ -1909,15 +1911,15 @@
         </p:nvSpPr>
         <p:spPr>
           <a:xfrm>
-            <a:off x="644712" y="456036"/>
-            <a:ext cx="3018811" cy="1596126"/>
+            <a:off x="1190247" y="719984"/>
+            <a:ext cx="5573229" cy="2519945"/>
           </a:xfrm>
         </p:spPr>
         <p:txBody>
           <a:bodyPr anchor="b"/>
           <a:lstStyle>
             <a:lvl1pPr>
-              <a:defRPr sz="3192"/>
+              <a:defRPr sz="4535"/>
             </a:lvl1pPr>
           </a:lstStyle>
           <a:p>
@@ -1941,39 +1943,39 @@
         </p:nvSpPr>
         <p:spPr>
           <a:xfrm>
-            <a:off x="3979177" y="984912"/>
-            <a:ext cx="4738449" cy="4861216"/>
+            <a:off x="7346224" y="1554966"/>
+            <a:ext cx="8747969" cy="7674832"/>
           </a:xfrm>
         </p:spPr>
         <p:txBody>
           <a:bodyPr/>
           <a:lstStyle>
             <a:lvl1pPr>
-              <a:defRPr sz="3192"/>
+              <a:defRPr sz="4535"/>
             </a:lvl1pPr>
             <a:lvl2pPr>
-              <a:defRPr sz="2793"/>
+              <a:defRPr sz="3968"/>
             </a:lvl2pPr>
             <a:lvl3pPr>
-              <a:defRPr sz="2394"/>
+              <a:defRPr sz="3402"/>
             </a:lvl3pPr>
             <a:lvl4pPr>
-              <a:defRPr sz="1995"/>
+              <a:defRPr sz="2835"/>
             </a:lvl4pPr>
             <a:lvl5pPr>
-              <a:defRPr sz="1995"/>
+              <a:defRPr sz="2835"/>
             </a:lvl5pPr>
             <a:lvl6pPr>
-              <a:defRPr sz="1995"/>
+              <a:defRPr sz="2835"/>
             </a:lvl6pPr>
             <a:lvl7pPr>
-              <a:defRPr sz="1995"/>
+              <a:defRPr sz="2835"/>
             </a:lvl7pPr>
             <a:lvl8pPr>
-              <a:defRPr sz="1995"/>
+              <a:defRPr sz="2835"/>
             </a:lvl8pPr>
             <a:lvl9pPr>
-              <a:defRPr sz="1995"/>
+              <a:defRPr sz="2835"/>
             </a:lvl9pPr>
           </a:lstStyle>
           <a:p>
@@ -2026,8 +2028,8 @@
         </p:nvSpPr>
         <p:spPr>
           <a:xfrm>
-            <a:off x="644712" y="2052161"/>
-            <a:ext cx="3018811" cy="3801883"/>
+            <a:off x="1190247" y="3239929"/>
+            <a:ext cx="5573229" cy="6002369"/>
           </a:xfrm>
         </p:spPr>
         <p:txBody>
@@ -2035,39 +2037,39 @@
           <a:lstStyle>
             <a:lvl1pPr marL="0" indent="0">
               <a:buNone/>
-              <a:defRPr sz="1596"/>
+              <a:defRPr sz="2268"/>
             </a:lvl1pPr>
-            <a:lvl2pPr marL="456057" indent="0">
+            <a:lvl2pPr marL="647990" indent="0">
               <a:buNone/>
-              <a:defRPr sz="1397"/>
+              <a:defRPr sz="1984"/>
             </a:lvl2pPr>
-            <a:lvl3pPr marL="912114" indent="0">
+            <a:lvl3pPr marL="1295979" indent="0">
               <a:buNone/>
-              <a:defRPr sz="1197"/>
+              <a:defRPr sz="1701"/>
             </a:lvl3pPr>
-            <a:lvl4pPr marL="1368171" indent="0">
+            <a:lvl4pPr marL="1943969" indent="0">
               <a:buNone/>
-              <a:defRPr sz="998"/>
+              <a:defRPr sz="1417"/>
             </a:lvl4pPr>
-            <a:lvl5pPr marL="1824228" indent="0">
+            <a:lvl5pPr marL="2591958" indent="0">
               <a:buNone/>
-              <a:defRPr sz="998"/>
+              <a:defRPr sz="1417"/>
             </a:lvl5pPr>
-            <a:lvl6pPr marL="2280285" indent="0">
+            <a:lvl6pPr marL="3239948" indent="0">
               <a:buNone/>
-              <a:defRPr sz="998"/>
+              <a:defRPr sz="1417"/>
             </a:lvl6pPr>
-            <a:lvl7pPr marL="2736342" indent="0">
+            <a:lvl7pPr marL="3887937" indent="0">
               <a:buNone/>
-              <a:defRPr sz="998"/>
+              <a:defRPr sz="1417"/>
             </a:lvl7pPr>
-            <a:lvl8pPr marL="3192399" indent="0">
+            <a:lvl8pPr marL="4535927" indent="0">
               <a:buNone/>
-              <a:defRPr sz="998"/>
+              <a:defRPr sz="1417"/>
             </a:lvl8pPr>
-            <a:lvl9pPr marL="3648456" indent="0">
+            <a:lvl9pPr marL="5183916" indent="0">
               <a:buNone/>
-              <a:defRPr sz="998"/>
+              <a:defRPr sz="1417"/>
             </a:lvl9pPr>
           </a:lstStyle>
           <a:p>
@@ -2096,7 +2098,7 @@
           <a:p>
             <a:fld id="{FDB6E4C0-652F-7246-A27C-17FD43D09069}" type="datetimeFigureOut">
               <a:rPr lang="en-CN" smtClean="0"/>
-              <a:t>2024/8/16</a:t>
+              <a:t>2024/8/19</a:t>
             </a:fld>
             <a:endParaRPr lang="en-CN"/>
           </a:p>
@@ -2147,7 +2149,7 @@
     </p:spTree>
     <p:extLst>
       <p:ext uri="{BB962C8B-B14F-4D97-AF65-F5344CB8AC3E}">
-        <p14:creationId xmlns:p14="http://schemas.microsoft.com/office/powerpoint/2010/main" val="406140455"/>
+        <p14:creationId xmlns:p14="http://schemas.microsoft.com/office/powerpoint/2010/main" val="423048305"/>
       </p:ext>
     </p:extLst>
   </p:cSld>
@@ -2186,15 +2188,15 @@
         </p:nvSpPr>
         <p:spPr>
           <a:xfrm>
-            <a:off x="644712" y="456036"/>
-            <a:ext cx="3018811" cy="1596126"/>
+            <a:off x="1190247" y="719984"/>
+            <a:ext cx="5573229" cy="2519945"/>
           </a:xfrm>
         </p:spPr>
         <p:txBody>
           <a:bodyPr anchor="b"/>
           <a:lstStyle>
             <a:lvl1pPr>
-              <a:defRPr sz="3192"/>
+              <a:defRPr sz="4535"/>
             </a:lvl1pPr>
           </a:lstStyle>
           <a:p>
@@ -2218,8 +2220,8 @@
         </p:nvSpPr>
         <p:spPr>
           <a:xfrm>
-            <a:off x="3979177" y="984912"/>
-            <a:ext cx="4738449" cy="4861216"/>
+            <a:off x="7346224" y="1554966"/>
+            <a:ext cx="8747969" cy="7674832"/>
           </a:xfrm>
         </p:spPr>
         <p:txBody>
@@ -2227,39 +2229,39 @@
           <a:lstStyle>
             <a:lvl1pPr marL="0" indent="0">
               <a:buNone/>
-              <a:defRPr sz="3192"/>
+              <a:defRPr sz="4535"/>
             </a:lvl1pPr>
-            <a:lvl2pPr marL="456057" indent="0">
+            <a:lvl2pPr marL="647990" indent="0">
               <a:buNone/>
-              <a:defRPr sz="2793"/>
+              <a:defRPr sz="3968"/>
             </a:lvl2pPr>
-            <a:lvl3pPr marL="912114" indent="0">
+            <a:lvl3pPr marL="1295979" indent="0">
               <a:buNone/>
-              <a:defRPr sz="2394"/>
+              <a:defRPr sz="3402"/>
             </a:lvl3pPr>
-            <a:lvl4pPr marL="1368171" indent="0">
+            <a:lvl4pPr marL="1943969" indent="0">
               <a:buNone/>
-              <a:defRPr sz="1995"/>
+              <a:defRPr sz="2835"/>
             </a:lvl4pPr>
-            <a:lvl5pPr marL="1824228" indent="0">
+            <a:lvl5pPr marL="2591958" indent="0">
               <a:buNone/>
-              <a:defRPr sz="1995"/>
+              <a:defRPr sz="2835"/>
             </a:lvl5pPr>
-            <a:lvl6pPr marL="2280285" indent="0">
+            <a:lvl6pPr marL="3239948" indent="0">
               <a:buNone/>
-              <a:defRPr sz="1995"/>
+              <a:defRPr sz="2835"/>
             </a:lvl6pPr>
-            <a:lvl7pPr marL="2736342" indent="0">
+            <a:lvl7pPr marL="3887937" indent="0">
               <a:buNone/>
-              <a:defRPr sz="1995"/>
+              <a:defRPr sz="2835"/>
             </a:lvl7pPr>
-            <a:lvl8pPr marL="3192399" indent="0">
+            <a:lvl8pPr marL="4535927" indent="0">
               <a:buNone/>
-              <a:defRPr sz="1995"/>
+              <a:defRPr sz="2835"/>
             </a:lvl8pPr>
-            <a:lvl9pPr marL="3648456" indent="0">
+            <a:lvl9pPr marL="5183916" indent="0">
               <a:buNone/>
-              <a:defRPr sz="1995"/>
+              <a:defRPr sz="2835"/>
             </a:lvl9pPr>
           </a:lstStyle>
           <a:p>
@@ -2283,8 +2285,8 @@
         </p:nvSpPr>
         <p:spPr>
           <a:xfrm>
-            <a:off x="644712" y="2052161"/>
-            <a:ext cx="3018811" cy="3801883"/>
+            <a:off x="1190247" y="3239929"/>
+            <a:ext cx="5573229" cy="6002369"/>
           </a:xfrm>
         </p:spPr>
         <p:txBody>
@@ -2292,39 +2294,39 @@
           <a:lstStyle>
             <a:lvl1pPr marL="0" indent="0">
               <a:buNone/>
-              <a:defRPr sz="1596"/>
+              <a:defRPr sz="2268"/>
             </a:lvl1pPr>
-            <a:lvl2pPr marL="456057" indent="0">
+            <a:lvl2pPr marL="647990" indent="0">
               <a:buNone/>
-              <a:defRPr sz="1397"/>
+              <a:defRPr sz="1984"/>
             </a:lvl2pPr>
-            <a:lvl3pPr marL="912114" indent="0">
+            <a:lvl3pPr marL="1295979" indent="0">
               <a:buNone/>
-              <a:defRPr sz="1197"/>
+              <a:defRPr sz="1701"/>
             </a:lvl3pPr>
-            <a:lvl4pPr marL="1368171" indent="0">
+            <a:lvl4pPr marL="1943969" indent="0">
               <a:buNone/>
-              <a:defRPr sz="998"/>
+              <a:defRPr sz="1417"/>
             </a:lvl4pPr>
-            <a:lvl5pPr marL="1824228" indent="0">
+            <a:lvl5pPr marL="2591958" indent="0">
               <a:buNone/>
-              <a:defRPr sz="998"/>
+              <a:defRPr sz="1417"/>
             </a:lvl5pPr>
-            <a:lvl6pPr marL="2280285" indent="0">
+            <a:lvl6pPr marL="3239948" indent="0">
               <a:buNone/>
-              <a:defRPr sz="998"/>
+              <a:defRPr sz="1417"/>
             </a:lvl6pPr>
-            <a:lvl7pPr marL="2736342" indent="0">
+            <a:lvl7pPr marL="3887937" indent="0">
               <a:buNone/>
-              <a:defRPr sz="998"/>
+              <a:defRPr sz="1417"/>
             </a:lvl7pPr>
-            <a:lvl8pPr marL="3192399" indent="0">
+            <a:lvl8pPr marL="4535927" indent="0">
               <a:buNone/>
-              <a:defRPr sz="998"/>
+              <a:defRPr sz="1417"/>
             </a:lvl8pPr>
-            <a:lvl9pPr marL="3648456" indent="0">
+            <a:lvl9pPr marL="5183916" indent="0">
               <a:buNone/>
-              <a:defRPr sz="998"/>
+              <a:defRPr sz="1417"/>
             </a:lvl9pPr>
           </a:lstStyle>
           <a:p>
@@ -2353,7 +2355,7 @@
           <a:p>
             <a:fld id="{FDB6E4C0-652F-7246-A27C-17FD43D09069}" type="datetimeFigureOut">
               <a:rPr lang="en-CN" smtClean="0"/>
-              <a:t>2024/8/16</a:t>
+              <a:t>2024/8/19</a:t>
             </a:fld>
             <a:endParaRPr lang="en-CN"/>
           </a:p>
@@ -2404,7 +2406,7 @@
     </p:spTree>
     <p:extLst>
       <p:ext uri="{BB962C8B-B14F-4D97-AF65-F5344CB8AC3E}">
-        <p14:creationId xmlns:p14="http://schemas.microsoft.com/office/powerpoint/2010/main" val="2228683069"/>
+        <p14:creationId xmlns:p14="http://schemas.microsoft.com/office/powerpoint/2010/main" val="4253287183"/>
       </p:ext>
     </p:extLst>
   </p:cSld>
@@ -2448,8 +2450,8 @@
         </p:nvSpPr>
         <p:spPr>
           <a:xfrm>
-            <a:off x="643493" y="364197"/>
-            <a:ext cx="8072914" cy="1322188"/>
+            <a:off x="1187996" y="574988"/>
+            <a:ext cx="14903947" cy="2087455"/>
           </a:xfrm>
           <a:prstGeom prst="rect">
             <a:avLst/>
@@ -2481,8 +2483,8 @@
         </p:nvSpPr>
         <p:spPr>
           <a:xfrm>
-            <a:off x="643493" y="1820976"/>
-            <a:ext cx="8072914" cy="4340259"/>
+            <a:off x="1187996" y="2874937"/>
+            <a:ext cx="14903947" cy="6852350"/>
           </a:xfrm>
           <a:prstGeom prst="rect">
             <a:avLst/>
@@ -2543,8 +2545,8 @@
         </p:nvSpPr>
         <p:spPr>
           <a:xfrm>
-            <a:off x="643493" y="6340167"/>
-            <a:ext cx="2105978" cy="364195"/>
+            <a:off x="1187996" y="10009781"/>
+            <a:ext cx="3887986" cy="574987"/>
           </a:xfrm>
           <a:prstGeom prst="rect">
             <a:avLst/>
@@ -2554,7 +2556,7 @@
           <a:bodyPr vert="horz" lIns="91440" tIns="45720" rIns="91440" bIns="45720" rtlCol="0" anchor="ctr"/>
           <a:lstStyle>
             <a:lvl1pPr algn="l">
-              <a:defRPr sz="1197">
+              <a:defRPr sz="1701">
                 <a:solidFill>
                   <a:schemeClr val="tx1">
                     <a:tint val="75000"/>
@@ -2566,7 +2568,7 @@
           <a:p>
             <a:fld id="{FDB6E4C0-652F-7246-A27C-17FD43D09069}" type="datetimeFigureOut">
               <a:rPr lang="en-CN" smtClean="0"/>
-              <a:t>2024/8/16</a:t>
+              <a:t>2024/8/19</a:t>
             </a:fld>
             <a:endParaRPr lang="en-CN"/>
           </a:p>
@@ -2584,8 +2586,8 @@
         </p:nvSpPr>
         <p:spPr>
           <a:xfrm>
-            <a:off x="3100467" y="6340167"/>
-            <a:ext cx="3158966" cy="364195"/>
+            <a:off x="5723980" y="10009781"/>
+            <a:ext cx="5831979" cy="574987"/>
           </a:xfrm>
           <a:prstGeom prst="rect">
             <a:avLst/>
@@ -2595,7 +2597,7 @@
           <a:bodyPr vert="horz" lIns="91440" tIns="45720" rIns="91440" bIns="45720" rtlCol="0" anchor="ctr"/>
           <a:lstStyle>
             <a:lvl1pPr algn="ctr">
-              <a:defRPr sz="1197">
+              <a:defRPr sz="1701">
                 <a:solidFill>
                   <a:schemeClr val="tx1">
                     <a:tint val="75000"/>
@@ -2621,8 +2623,8 @@
         </p:nvSpPr>
         <p:spPr>
           <a:xfrm>
-            <a:off x="6610429" y="6340167"/>
-            <a:ext cx="2105978" cy="364195"/>
+            <a:off x="12203956" y="10009781"/>
+            <a:ext cx="3887986" cy="574987"/>
           </a:xfrm>
           <a:prstGeom prst="rect">
             <a:avLst/>
@@ -2632,7 +2634,7 @@
           <a:bodyPr vert="horz" lIns="91440" tIns="45720" rIns="91440" bIns="45720" rtlCol="0" anchor="ctr"/>
           <a:lstStyle>
             <a:lvl1pPr algn="r">
-              <a:defRPr sz="1197">
+              <a:defRPr sz="1701">
                 <a:solidFill>
                   <a:schemeClr val="tx1">
                     <a:tint val="75000"/>
@@ -2653,27 +2655,27 @@
     </p:spTree>
     <p:extLst>
       <p:ext uri="{BB962C8B-B14F-4D97-AF65-F5344CB8AC3E}">
-        <p14:creationId xmlns:p14="http://schemas.microsoft.com/office/powerpoint/2010/main" val="2893054487"/>
+        <p14:creationId xmlns:p14="http://schemas.microsoft.com/office/powerpoint/2010/main" val="1956435900"/>
       </p:ext>
     </p:extLst>
   </p:cSld>
   <p:clrMap bg1="lt1" tx1="dk1" bg2="lt2" tx2="dk2" accent1="accent1" accent2="accent2" accent3="accent3" accent4="accent4" accent5="accent5" accent6="accent6" hlink="hlink" folHlink="folHlink"/>
   <p:sldLayoutIdLst>
-    <p:sldLayoutId id="2147483769" r:id="rId1"/>
-    <p:sldLayoutId id="2147483770" r:id="rId2"/>
-    <p:sldLayoutId id="2147483771" r:id="rId3"/>
-    <p:sldLayoutId id="2147483772" r:id="rId4"/>
-    <p:sldLayoutId id="2147483773" r:id="rId5"/>
-    <p:sldLayoutId id="2147483774" r:id="rId6"/>
-    <p:sldLayoutId id="2147483775" r:id="rId7"/>
-    <p:sldLayoutId id="2147483776" r:id="rId8"/>
-    <p:sldLayoutId id="2147483777" r:id="rId9"/>
-    <p:sldLayoutId id="2147483778" r:id="rId10"/>
-    <p:sldLayoutId id="2147483779" r:id="rId11"/>
+    <p:sldLayoutId id="2147483877" r:id="rId1"/>
+    <p:sldLayoutId id="2147483878" r:id="rId2"/>
+    <p:sldLayoutId id="2147483879" r:id="rId3"/>
+    <p:sldLayoutId id="2147483880" r:id="rId4"/>
+    <p:sldLayoutId id="2147483881" r:id="rId5"/>
+    <p:sldLayoutId id="2147483882" r:id="rId6"/>
+    <p:sldLayoutId id="2147483883" r:id="rId7"/>
+    <p:sldLayoutId id="2147483884" r:id="rId8"/>
+    <p:sldLayoutId id="2147483885" r:id="rId9"/>
+    <p:sldLayoutId id="2147483886" r:id="rId10"/>
+    <p:sldLayoutId id="2147483887" r:id="rId11"/>
   </p:sldLayoutIdLst>
   <p:txStyles>
     <p:titleStyle>
-      <a:lvl1pPr algn="l" defTabSz="912114" rtl="0" eaLnBrk="1" latinLnBrk="0" hangingPunct="1">
+      <a:lvl1pPr algn="l" defTabSz="1295979" rtl="0" eaLnBrk="1" latinLnBrk="0" hangingPunct="1">
         <a:lnSpc>
           <a:spcPct val="90000"/>
         </a:lnSpc>
@@ -2681,7 +2683,7 @@
           <a:spcPct val="0"/>
         </a:spcBef>
         <a:buNone/>
-        <a:defRPr sz="4389" kern="1200">
+        <a:defRPr sz="6236" kern="1200">
           <a:solidFill>
             <a:schemeClr val="tx1"/>
           </a:solidFill>
@@ -2692,16 +2694,16 @@
       </a:lvl1pPr>
     </p:titleStyle>
     <p:bodyStyle>
-      <a:lvl1pPr marL="228029" indent="-228029" algn="l" defTabSz="912114" rtl="0" eaLnBrk="1" latinLnBrk="0" hangingPunct="1">
+      <a:lvl1pPr marL="323995" indent="-323995" algn="l" defTabSz="1295979" rtl="0" eaLnBrk="1" latinLnBrk="0" hangingPunct="1">
         <a:lnSpc>
           <a:spcPct val="90000"/>
         </a:lnSpc>
         <a:spcBef>
-          <a:spcPts val="998"/>
+          <a:spcPts val="1417"/>
         </a:spcBef>
         <a:buFont typeface="Arial" panose="020B0604020202020204" pitchFamily="34" charset="0"/>
         <a:buChar char="•"/>
-        <a:defRPr sz="2793" kern="1200">
+        <a:defRPr sz="3968" kern="1200">
           <a:solidFill>
             <a:schemeClr val="tx1"/>
           </a:solidFill>
@@ -2710,16 +2712,16 @@
           <a:cs typeface="+mn-cs"/>
         </a:defRPr>
       </a:lvl1pPr>
-      <a:lvl2pPr marL="684086" indent="-228029" algn="l" defTabSz="912114" rtl="0" eaLnBrk="1" latinLnBrk="0" hangingPunct="1">
+      <a:lvl2pPr marL="971984" indent="-323995" algn="l" defTabSz="1295979" rtl="0" eaLnBrk="1" latinLnBrk="0" hangingPunct="1">
         <a:lnSpc>
           <a:spcPct val="90000"/>
         </a:lnSpc>
         <a:spcBef>
-          <a:spcPts val="499"/>
+          <a:spcPts val="709"/>
         </a:spcBef>
         <a:buFont typeface="Arial" panose="020B0604020202020204" pitchFamily="34" charset="0"/>
         <a:buChar char="•"/>
-        <a:defRPr sz="2394" kern="1200">
+        <a:defRPr sz="3402" kern="1200">
           <a:solidFill>
             <a:schemeClr val="tx1"/>
           </a:solidFill>
@@ -2728,16 +2730,16 @@
           <a:cs typeface="+mn-cs"/>
         </a:defRPr>
       </a:lvl2pPr>
-      <a:lvl3pPr marL="1140143" indent="-228029" algn="l" defTabSz="912114" rtl="0" eaLnBrk="1" latinLnBrk="0" hangingPunct="1">
+      <a:lvl3pPr marL="1619974" indent="-323995" algn="l" defTabSz="1295979" rtl="0" eaLnBrk="1" latinLnBrk="0" hangingPunct="1">
         <a:lnSpc>
           <a:spcPct val="90000"/>
         </a:lnSpc>
         <a:spcBef>
-          <a:spcPts val="499"/>
+          <a:spcPts val="709"/>
         </a:spcBef>
         <a:buFont typeface="Arial" panose="020B0604020202020204" pitchFamily="34" charset="0"/>
         <a:buChar char="•"/>
-        <a:defRPr sz="1995" kern="1200">
+        <a:defRPr sz="2835" kern="1200">
           <a:solidFill>
             <a:schemeClr val="tx1"/>
           </a:solidFill>
@@ -2746,16 +2748,16 @@
           <a:cs typeface="+mn-cs"/>
         </a:defRPr>
       </a:lvl3pPr>
-      <a:lvl4pPr marL="1596200" indent="-228029" algn="l" defTabSz="912114" rtl="0" eaLnBrk="1" latinLnBrk="0" hangingPunct="1">
+      <a:lvl4pPr marL="2267963" indent="-323995" algn="l" defTabSz="1295979" rtl="0" eaLnBrk="1" latinLnBrk="0" hangingPunct="1">
         <a:lnSpc>
           <a:spcPct val="90000"/>
         </a:lnSpc>
         <a:spcBef>
-          <a:spcPts val="499"/>
+          <a:spcPts val="709"/>
         </a:spcBef>
         <a:buFont typeface="Arial" panose="020B0604020202020204" pitchFamily="34" charset="0"/>
         <a:buChar char="•"/>
-        <a:defRPr sz="1795" kern="1200">
+        <a:defRPr sz="2551" kern="1200">
           <a:solidFill>
             <a:schemeClr val="tx1"/>
           </a:solidFill>
@@ -2764,16 +2766,16 @@
           <a:cs typeface="+mn-cs"/>
         </a:defRPr>
       </a:lvl4pPr>
-      <a:lvl5pPr marL="2052257" indent="-228029" algn="l" defTabSz="912114" rtl="0" eaLnBrk="1" latinLnBrk="0" hangingPunct="1">
+      <a:lvl5pPr marL="2915953" indent="-323995" algn="l" defTabSz="1295979" rtl="0" eaLnBrk="1" latinLnBrk="0" hangingPunct="1">
         <a:lnSpc>
           <a:spcPct val="90000"/>
         </a:lnSpc>
         <a:spcBef>
-          <a:spcPts val="499"/>
+          <a:spcPts val="709"/>
         </a:spcBef>
         <a:buFont typeface="Arial" panose="020B0604020202020204" pitchFamily="34" charset="0"/>
         <a:buChar char="•"/>
-        <a:defRPr sz="1795" kern="1200">
+        <a:defRPr sz="2551" kern="1200">
           <a:solidFill>
             <a:schemeClr val="tx1"/>
           </a:solidFill>
@@ -2782,16 +2784,16 @@
           <a:cs typeface="+mn-cs"/>
         </a:defRPr>
       </a:lvl5pPr>
-      <a:lvl6pPr marL="2508314" indent="-228029" algn="l" defTabSz="912114" rtl="0" eaLnBrk="1" latinLnBrk="0" hangingPunct="1">
+      <a:lvl6pPr marL="3563943" indent="-323995" algn="l" defTabSz="1295979" rtl="0" eaLnBrk="1" latinLnBrk="0" hangingPunct="1">
         <a:lnSpc>
           <a:spcPct val="90000"/>
         </a:lnSpc>
         <a:spcBef>
-          <a:spcPts val="499"/>
+          <a:spcPts val="709"/>
         </a:spcBef>
         <a:buFont typeface="Arial" panose="020B0604020202020204" pitchFamily="34" charset="0"/>
         <a:buChar char="•"/>
-        <a:defRPr sz="1795" kern="1200">
+        <a:defRPr sz="2551" kern="1200">
           <a:solidFill>
             <a:schemeClr val="tx1"/>
           </a:solidFill>
@@ -2800,16 +2802,16 @@
           <a:cs typeface="+mn-cs"/>
         </a:defRPr>
       </a:lvl6pPr>
-      <a:lvl7pPr marL="2964371" indent="-228029" algn="l" defTabSz="912114" rtl="0" eaLnBrk="1" latinLnBrk="0" hangingPunct="1">
+      <a:lvl7pPr marL="4211932" indent="-323995" algn="l" defTabSz="1295979" rtl="0" eaLnBrk="1" latinLnBrk="0" hangingPunct="1">
         <a:lnSpc>
           <a:spcPct val="90000"/>
         </a:lnSpc>
         <a:spcBef>
-          <a:spcPts val="499"/>
+          <a:spcPts val="709"/>
         </a:spcBef>
         <a:buFont typeface="Arial" panose="020B0604020202020204" pitchFamily="34" charset="0"/>
         <a:buChar char="•"/>
-        <a:defRPr sz="1795" kern="1200">
+        <a:defRPr sz="2551" kern="1200">
           <a:solidFill>
             <a:schemeClr val="tx1"/>
           </a:solidFill>
@@ -2818,16 +2820,16 @@
           <a:cs typeface="+mn-cs"/>
         </a:defRPr>
       </a:lvl7pPr>
-      <a:lvl8pPr marL="3420428" indent="-228029" algn="l" defTabSz="912114" rtl="0" eaLnBrk="1" latinLnBrk="0" hangingPunct="1">
+      <a:lvl8pPr marL="4859922" indent="-323995" algn="l" defTabSz="1295979" rtl="0" eaLnBrk="1" latinLnBrk="0" hangingPunct="1">
         <a:lnSpc>
           <a:spcPct val="90000"/>
         </a:lnSpc>
         <a:spcBef>
-          <a:spcPts val="499"/>
+          <a:spcPts val="709"/>
         </a:spcBef>
         <a:buFont typeface="Arial" panose="020B0604020202020204" pitchFamily="34" charset="0"/>
         <a:buChar char="•"/>
-        <a:defRPr sz="1795" kern="1200">
+        <a:defRPr sz="2551" kern="1200">
           <a:solidFill>
             <a:schemeClr val="tx1"/>
           </a:solidFill>
@@ -2836,16 +2838,16 @@
           <a:cs typeface="+mn-cs"/>
         </a:defRPr>
       </a:lvl8pPr>
-      <a:lvl9pPr marL="3876485" indent="-228029" algn="l" defTabSz="912114" rtl="0" eaLnBrk="1" latinLnBrk="0" hangingPunct="1">
+      <a:lvl9pPr marL="5507911" indent="-323995" algn="l" defTabSz="1295979" rtl="0" eaLnBrk="1" latinLnBrk="0" hangingPunct="1">
         <a:lnSpc>
           <a:spcPct val="90000"/>
         </a:lnSpc>
         <a:spcBef>
-          <a:spcPts val="499"/>
+          <a:spcPts val="709"/>
         </a:spcBef>
         <a:buFont typeface="Arial" panose="020B0604020202020204" pitchFamily="34" charset="0"/>
         <a:buChar char="•"/>
-        <a:defRPr sz="1795" kern="1200">
+        <a:defRPr sz="2551" kern="1200">
           <a:solidFill>
             <a:schemeClr val="tx1"/>
           </a:solidFill>
@@ -2859,8 +2861,8 @@
       <a:defPPr>
         <a:defRPr lang="en-US"/>
       </a:defPPr>
-      <a:lvl1pPr marL="0" algn="l" defTabSz="912114" rtl="0" eaLnBrk="1" latinLnBrk="0" hangingPunct="1">
-        <a:defRPr sz="1795" kern="1200">
+      <a:lvl1pPr marL="0" algn="l" defTabSz="1295979" rtl="0" eaLnBrk="1" latinLnBrk="0" hangingPunct="1">
+        <a:defRPr sz="2551" kern="1200">
           <a:solidFill>
             <a:schemeClr val="tx1"/>
           </a:solidFill>
@@ -2869,8 +2871,8 @@
           <a:cs typeface="+mn-cs"/>
         </a:defRPr>
       </a:lvl1pPr>
-      <a:lvl2pPr marL="456057" algn="l" defTabSz="912114" rtl="0" eaLnBrk="1" latinLnBrk="0" hangingPunct="1">
-        <a:defRPr sz="1795" kern="1200">
+      <a:lvl2pPr marL="647990" algn="l" defTabSz="1295979" rtl="0" eaLnBrk="1" latinLnBrk="0" hangingPunct="1">
+        <a:defRPr sz="2551" kern="1200">
           <a:solidFill>
             <a:schemeClr val="tx1"/>
           </a:solidFill>
@@ -2879,8 +2881,8 @@
           <a:cs typeface="+mn-cs"/>
         </a:defRPr>
       </a:lvl2pPr>
-      <a:lvl3pPr marL="912114" algn="l" defTabSz="912114" rtl="0" eaLnBrk="1" latinLnBrk="0" hangingPunct="1">
-        <a:defRPr sz="1795" kern="1200">
+      <a:lvl3pPr marL="1295979" algn="l" defTabSz="1295979" rtl="0" eaLnBrk="1" latinLnBrk="0" hangingPunct="1">
+        <a:defRPr sz="2551" kern="1200">
           <a:solidFill>
             <a:schemeClr val="tx1"/>
           </a:solidFill>
@@ -2889,8 +2891,8 @@
           <a:cs typeface="+mn-cs"/>
         </a:defRPr>
       </a:lvl3pPr>
-      <a:lvl4pPr marL="1368171" algn="l" defTabSz="912114" rtl="0" eaLnBrk="1" latinLnBrk="0" hangingPunct="1">
-        <a:defRPr sz="1795" kern="1200">
+      <a:lvl4pPr marL="1943969" algn="l" defTabSz="1295979" rtl="0" eaLnBrk="1" latinLnBrk="0" hangingPunct="1">
+        <a:defRPr sz="2551" kern="1200">
           <a:solidFill>
             <a:schemeClr val="tx1"/>
           </a:solidFill>
@@ -2899,8 +2901,8 @@
           <a:cs typeface="+mn-cs"/>
         </a:defRPr>
       </a:lvl4pPr>
-      <a:lvl5pPr marL="1824228" algn="l" defTabSz="912114" rtl="0" eaLnBrk="1" latinLnBrk="0" hangingPunct="1">
-        <a:defRPr sz="1795" kern="1200">
+      <a:lvl5pPr marL="2591958" algn="l" defTabSz="1295979" rtl="0" eaLnBrk="1" latinLnBrk="0" hangingPunct="1">
+        <a:defRPr sz="2551" kern="1200">
           <a:solidFill>
             <a:schemeClr val="tx1"/>
           </a:solidFill>
@@ -2909,8 +2911,8 @@
           <a:cs typeface="+mn-cs"/>
         </a:defRPr>
       </a:lvl5pPr>
-      <a:lvl6pPr marL="2280285" algn="l" defTabSz="912114" rtl="0" eaLnBrk="1" latinLnBrk="0" hangingPunct="1">
-        <a:defRPr sz="1795" kern="1200">
+      <a:lvl6pPr marL="3239948" algn="l" defTabSz="1295979" rtl="0" eaLnBrk="1" latinLnBrk="0" hangingPunct="1">
+        <a:defRPr sz="2551" kern="1200">
           <a:solidFill>
             <a:schemeClr val="tx1"/>
           </a:solidFill>
@@ -2919,8 +2921,8 @@
           <a:cs typeface="+mn-cs"/>
         </a:defRPr>
       </a:lvl6pPr>
-      <a:lvl7pPr marL="2736342" algn="l" defTabSz="912114" rtl="0" eaLnBrk="1" latinLnBrk="0" hangingPunct="1">
-        <a:defRPr sz="1795" kern="1200">
+      <a:lvl7pPr marL="3887937" algn="l" defTabSz="1295979" rtl="0" eaLnBrk="1" latinLnBrk="0" hangingPunct="1">
+        <a:defRPr sz="2551" kern="1200">
           <a:solidFill>
             <a:schemeClr val="tx1"/>
           </a:solidFill>
@@ -2929,8 +2931,8 @@
           <a:cs typeface="+mn-cs"/>
         </a:defRPr>
       </a:lvl7pPr>
-      <a:lvl8pPr marL="3192399" algn="l" defTabSz="912114" rtl="0" eaLnBrk="1" latinLnBrk="0" hangingPunct="1">
-        <a:defRPr sz="1795" kern="1200">
+      <a:lvl8pPr marL="4535927" algn="l" defTabSz="1295979" rtl="0" eaLnBrk="1" latinLnBrk="0" hangingPunct="1">
+        <a:defRPr sz="2551" kern="1200">
           <a:solidFill>
             <a:schemeClr val="tx1"/>
           </a:solidFill>
@@ -2939,8 +2941,8 @@
           <a:cs typeface="+mn-cs"/>
         </a:defRPr>
       </a:lvl8pPr>
-      <a:lvl9pPr marL="3648456" algn="l" defTabSz="912114" rtl="0" eaLnBrk="1" latinLnBrk="0" hangingPunct="1">
-        <a:defRPr sz="1795" kern="1200">
+      <a:lvl9pPr marL="5183916" algn="l" defTabSz="1295979" rtl="0" eaLnBrk="1" latinLnBrk="0" hangingPunct="1">
+        <a:defRPr sz="2551" kern="1200">
           <a:solidFill>
             <a:schemeClr val="tx1"/>
           </a:solidFill>
@@ -2971,6 +2973,341 @@
           <a:chExt cx="0" cy="0"/>
         </a:xfrm>
       </p:grpSpPr>
+      <p:sp>
+        <p:nvSpPr>
+          <p:cNvPr id="128" name="Rectangle 127">
+            <a:extLst>
+              <a:ext uri="{FF2B5EF4-FFF2-40B4-BE49-F238E27FC236}">
+                <a16:creationId xmlns:a16="http://schemas.microsoft.com/office/drawing/2014/main" id="{4F669580-AFE2-CA4E-8BBB-E92798C704ED}"/>
+              </a:ext>
+            </a:extLst>
+          </p:cNvPr>
+          <p:cNvSpPr/>
+          <p:nvPr/>
+        </p:nvSpPr>
+        <p:spPr>
+          <a:xfrm>
+            <a:off x="3898293" y="5818802"/>
+            <a:ext cx="9152381" cy="3387095"/>
+          </a:xfrm>
+          <a:prstGeom prst="rect">
+            <a:avLst/>
+          </a:prstGeom>
+          <a:solidFill>
+            <a:schemeClr val="bg1"/>
+          </a:solidFill>
+          <a:ln w="19050">
+            <a:solidFill>
+              <a:schemeClr val="bg2">
+                <a:lumMod val="75000"/>
+              </a:schemeClr>
+            </a:solidFill>
+          </a:ln>
+        </p:spPr>
+        <p:style>
+          <a:lnRef idx="2">
+            <a:schemeClr val="accent1">
+              <a:shade val="50000"/>
+            </a:schemeClr>
+          </a:lnRef>
+          <a:fillRef idx="1">
+            <a:schemeClr val="accent1"/>
+          </a:fillRef>
+          <a:effectRef idx="0">
+            <a:schemeClr val="accent1"/>
+          </a:effectRef>
+          <a:fontRef idx="minor">
+            <a:schemeClr val="lt1"/>
+          </a:fontRef>
+        </p:style>
+        <p:txBody>
+          <a:bodyPr rtlCol="0" anchor="ctr"/>
+          <a:lstStyle/>
+          <a:p>
+            <a:pPr algn="ctr"/>
+            <a:endParaRPr lang="en-CN"/>
+          </a:p>
+        </p:txBody>
+      </p:sp>
+      <p:sp>
+        <p:nvSpPr>
+          <p:cNvPr id="127" name="Rectangle 126">
+            <a:extLst>
+              <a:ext uri="{FF2B5EF4-FFF2-40B4-BE49-F238E27FC236}">
+                <a16:creationId xmlns:a16="http://schemas.microsoft.com/office/drawing/2014/main" id="{49E61B4B-D477-0C47-B5E7-2396FC4B707C}"/>
+              </a:ext>
+            </a:extLst>
+          </p:cNvPr>
+          <p:cNvSpPr/>
+          <p:nvPr/>
+        </p:nvSpPr>
+        <p:spPr>
+          <a:xfrm>
+            <a:off x="3767665" y="5949432"/>
+            <a:ext cx="9152381" cy="3387095"/>
+          </a:xfrm>
+          <a:prstGeom prst="rect">
+            <a:avLst/>
+          </a:prstGeom>
+          <a:solidFill>
+            <a:schemeClr val="bg1"/>
+          </a:solidFill>
+          <a:ln w="19050">
+            <a:solidFill>
+              <a:schemeClr val="bg2">
+                <a:lumMod val="75000"/>
+              </a:schemeClr>
+            </a:solidFill>
+          </a:ln>
+        </p:spPr>
+        <p:style>
+          <a:lnRef idx="2">
+            <a:schemeClr val="accent1">
+              <a:shade val="50000"/>
+            </a:schemeClr>
+          </a:lnRef>
+          <a:fillRef idx="1">
+            <a:schemeClr val="accent1"/>
+          </a:fillRef>
+          <a:effectRef idx="0">
+            <a:schemeClr val="accent1"/>
+          </a:effectRef>
+          <a:fontRef idx="minor">
+            <a:schemeClr val="lt1"/>
+          </a:fontRef>
+        </p:style>
+        <p:txBody>
+          <a:bodyPr rtlCol="0" anchor="ctr"/>
+          <a:lstStyle/>
+          <a:p>
+            <a:pPr algn="ctr"/>
+            <a:endParaRPr lang="en-CN"/>
+          </a:p>
+        </p:txBody>
+      </p:sp>
+      <p:sp>
+        <p:nvSpPr>
+          <p:cNvPr id="126" name="Rectangle 125">
+            <a:extLst>
+              <a:ext uri="{FF2B5EF4-FFF2-40B4-BE49-F238E27FC236}">
+                <a16:creationId xmlns:a16="http://schemas.microsoft.com/office/drawing/2014/main" id="{F182743A-A476-C64D-AEB9-87AC5876D8CE}"/>
+              </a:ext>
+            </a:extLst>
+          </p:cNvPr>
+          <p:cNvSpPr/>
+          <p:nvPr/>
+        </p:nvSpPr>
+        <p:spPr>
+          <a:xfrm>
+            <a:off x="3853044" y="1076405"/>
+            <a:ext cx="9152381" cy="3387095"/>
+          </a:xfrm>
+          <a:prstGeom prst="rect">
+            <a:avLst/>
+          </a:prstGeom>
+          <a:solidFill>
+            <a:schemeClr val="bg1"/>
+          </a:solidFill>
+          <a:ln w="19050">
+            <a:solidFill>
+              <a:schemeClr val="bg2">
+                <a:lumMod val="75000"/>
+              </a:schemeClr>
+            </a:solidFill>
+          </a:ln>
+        </p:spPr>
+        <p:style>
+          <a:lnRef idx="2">
+            <a:schemeClr val="accent1">
+              <a:shade val="50000"/>
+            </a:schemeClr>
+          </a:lnRef>
+          <a:fillRef idx="1">
+            <a:schemeClr val="accent1"/>
+          </a:fillRef>
+          <a:effectRef idx="0">
+            <a:schemeClr val="accent1"/>
+          </a:effectRef>
+          <a:fontRef idx="minor">
+            <a:schemeClr val="lt1"/>
+          </a:fontRef>
+        </p:style>
+        <p:txBody>
+          <a:bodyPr rtlCol="0" anchor="ctr"/>
+          <a:lstStyle/>
+          <a:p>
+            <a:pPr algn="ctr"/>
+            <a:endParaRPr lang="en-CN"/>
+          </a:p>
+        </p:txBody>
+      </p:sp>
+      <p:sp>
+        <p:nvSpPr>
+          <p:cNvPr id="124" name="Rectangle 123">
+            <a:extLst>
+              <a:ext uri="{FF2B5EF4-FFF2-40B4-BE49-F238E27FC236}">
+                <a16:creationId xmlns:a16="http://schemas.microsoft.com/office/drawing/2014/main" id="{498927E3-763F-AE42-9FDF-B7357BA95EF8}"/>
+              </a:ext>
+            </a:extLst>
+          </p:cNvPr>
+          <p:cNvSpPr/>
+          <p:nvPr/>
+        </p:nvSpPr>
+        <p:spPr>
+          <a:xfrm>
+            <a:off x="3724087" y="1209002"/>
+            <a:ext cx="9152381" cy="3387095"/>
+          </a:xfrm>
+          <a:prstGeom prst="rect">
+            <a:avLst/>
+          </a:prstGeom>
+          <a:solidFill>
+            <a:schemeClr val="bg1"/>
+          </a:solidFill>
+          <a:ln w="19050">
+            <a:solidFill>
+              <a:schemeClr val="bg2">
+                <a:lumMod val="75000"/>
+              </a:schemeClr>
+            </a:solidFill>
+          </a:ln>
+        </p:spPr>
+        <p:style>
+          <a:lnRef idx="2">
+            <a:schemeClr val="accent1">
+              <a:shade val="50000"/>
+            </a:schemeClr>
+          </a:lnRef>
+          <a:fillRef idx="1">
+            <a:schemeClr val="accent1"/>
+          </a:fillRef>
+          <a:effectRef idx="0">
+            <a:schemeClr val="accent1"/>
+          </a:effectRef>
+          <a:fontRef idx="minor">
+            <a:schemeClr val="lt1"/>
+          </a:fontRef>
+        </p:style>
+        <p:txBody>
+          <a:bodyPr rtlCol="0" anchor="ctr"/>
+          <a:lstStyle/>
+          <a:p>
+            <a:pPr algn="ctr"/>
+            <a:endParaRPr lang="en-CN"/>
+          </a:p>
+        </p:txBody>
+      </p:sp>
+      <p:sp>
+        <p:nvSpPr>
+          <p:cNvPr id="9" name="Rectangle 8">
+            <a:extLst>
+              <a:ext uri="{FF2B5EF4-FFF2-40B4-BE49-F238E27FC236}">
+                <a16:creationId xmlns:a16="http://schemas.microsoft.com/office/drawing/2014/main" id="{95C5F776-40BE-F145-A806-4C8DDF5659C8}"/>
+              </a:ext>
+            </a:extLst>
+          </p:cNvPr>
+          <p:cNvSpPr/>
+          <p:nvPr/>
+        </p:nvSpPr>
+        <p:spPr>
+          <a:xfrm>
+            <a:off x="3606823" y="1330216"/>
+            <a:ext cx="9152381" cy="3387095"/>
+          </a:xfrm>
+          <a:prstGeom prst="rect">
+            <a:avLst/>
+          </a:prstGeom>
+          <a:solidFill>
+            <a:schemeClr val="bg1"/>
+          </a:solidFill>
+          <a:ln w="19050">
+            <a:solidFill>
+              <a:schemeClr val="tx1"/>
+            </a:solidFill>
+          </a:ln>
+        </p:spPr>
+        <p:style>
+          <a:lnRef idx="2">
+            <a:schemeClr val="accent1">
+              <a:shade val="50000"/>
+            </a:schemeClr>
+          </a:lnRef>
+          <a:fillRef idx="1">
+            <a:schemeClr val="accent1"/>
+          </a:fillRef>
+          <a:effectRef idx="0">
+            <a:schemeClr val="accent1"/>
+          </a:effectRef>
+          <a:fontRef idx="minor">
+            <a:schemeClr val="lt1"/>
+          </a:fontRef>
+        </p:style>
+        <p:txBody>
+          <a:bodyPr rtlCol="0" anchor="ctr"/>
+          <a:lstStyle/>
+          <a:p>
+            <a:pPr marL="285750" indent="-285750" algn="ctr">
+              <a:buFont typeface="Wingdings" pitchFamily="2" charset="2"/>
+              <a:buChar char="ü"/>
+            </a:pPr>
+            <a:endParaRPr lang="en-CN" dirty="0"/>
+          </a:p>
+        </p:txBody>
+      </p:sp>
+      <p:sp>
+        <p:nvSpPr>
+          <p:cNvPr id="123" name="Rectangle 122">
+            <a:extLst>
+              <a:ext uri="{FF2B5EF4-FFF2-40B4-BE49-F238E27FC236}">
+                <a16:creationId xmlns:a16="http://schemas.microsoft.com/office/drawing/2014/main" id="{CC73F9A5-F6F1-6449-9C5A-41CAC60C7CC9}"/>
+              </a:ext>
+            </a:extLst>
+          </p:cNvPr>
+          <p:cNvSpPr/>
+          <p:nvPr/>
+        </p:nvSpPr>
+        <p:spPr>
+          <a:xfrm>
+            <a:off x="3632841" y="6077417"/>
+            <a:ext cx="9152381" cy="3387095"/>
+          </a:xfrm>
+          <a:prstGeom prst="rect">
+            <a:avLst/>
+          </a:prstGeom>
+          <a:solidFill>
+            <a:schemeClr val="bg1"/>
+          </a:solidFill>
+          <a:ln w="19050">
+            <a:solidFill>
+              <a:schemeClr val="tx1"/>
+            </a:solidFill>
+          </a:ln>
+        </p:spPr>
+        <p:style>
+          <a:lnRef idx="2">
+            <a:schemeClr val="accent1">
+              <a:shade val="50000"/>
+            </a:schemeClr>
+          </a:lnRef>
+          <a:fillRef idx="1">
+            <a:schemeClr val="accent1"/>
+          </a:fillRef>
+          <a:effectRef idx="0">
+            <a:schemeClr val="accent1"/>
+          </a:effectRef>
+          <a:fontRef idx="minor">
+            <a:schemeClr val="lt1"/>
+          </a:fontRef>
+        </p:style>
+        <p:txBody>
+          <a:bodyPr rtlCol="0" anchor="ctr"/>
+          <a:lstStyle/>
+          <a:p>
+            <a:pPr algn="ctr"/>
+            <a:endParaRPr lang="en-CN" dirty="0"/>
+          </a:p>
+        </p:txBody>
+      </p:sp>
       <p:cxnSp>
         <p:nvCxnSpPr>
           <p:cNvPr id="113" name="Straight Arrow Connector 112">
@@ -2989,7 +3326,7 @@
         </p:nvCxnSpPr>
         <p:spPr>
           <a:xfrm>
-            <a:off x="4776899" y="5235598"/>
+            <a:off x="8239789" y="8432905"/>
             <a:ext cx="830377" cy="4340"/>
           </a:xfrm>
           <a:prstGeom prst="straightConnector1">
@@ -3035,7 +3372,7 @@
         </p:nvCxnSpPr>
         <p:spPr>
           <a:xfrm flipV="1">
-            <a:off x="4762534" y="3834828"/>
+            <a:off x="8225424" y="7032144"/>
             <a:ext cx="817059" cy="5"/>
           </a:xfrm>
           <a:prstGeom prst="straightConnector1">
@@ -3081,7 +3418,7 @@
         </p:nvCxnSpPr>
         <p:spPr>
           <a:xfrm>
-            <a:off x="6446890" y="3834828"/>
+            <a:off x="9909771" y="7032135"/>
             <a:ext cx="552038" cy="546810"/>
           </a:xfrm>
           <a:prstGeom prst="bentConnector2">
@@ -3127,7 +3464,7 @@
         </p:nvCxnSpPr>
         <p:spPr>
           <a:xfrm flipV="1">
-            <a:off x="6474573" y="4687638"/>
+            <a:off x="9937463" y="7884945"/>
             <a:ext cx="524355" cy="552300"/>
           </a:xfrm>
           <a:prstGeom prst="bentConnector2">
@@ -3169,7 +3506,7 @@
         </p:nvSpPr>
         <p:spPr>
           <a:xfrm rot="5400000">
-            <a:off x="3579899" y="4632598"/>
+            <a:off x="7042780" y="7829905"/>
             <a:ext cx="1188000" cy="1206000"/>
           </a:xfrm>
           <a:prstGeom prst="trapezoid">
@@ -3253,7 +3590,7 @@
         </p:nvSpPr>
         <p:spPr>
           <a:xfrm>
-            <a:off x="493405" y="3637411"/>
+            <a:off x="3956286" y="6834727"/>
             <a:ext cx="466794" cy="430887"/>
           </a:xfrm>
           <a:prstGeom prst="rect">
@@ -3289,7 +3626,7 @@
         </p:nvSpPr>
         <p:spPr>
           <a:xfrm>
-            <a:off x="4262108" y="5073573"/>
+            <a:off x="7724989" y="8270889"/>
             <a:ext cx="653838" cy="430887"/>
           </a:xfrm>
           <a:prstGeom prst="rect">
@@ -3329,13 +3666,13 @@
               <p:nvPr>
                 <p:extLst>
                   <p:ext uri="{D42A27DB-BD31-4B8C-83A1-F6EECF244321}">
-                    <p14:modId xmlns:p14="http://schemas.microsoft.com/office/powerpoint/2010/main" val="1497143728"/>
+                    <p14:modId xmlns:p14="http://schemas.microsoft.com/office/powerpoint/2010/main" val="3651006465"/>
                   </p:ext>
                 </p:extLst>
               </p:nvPr>
             </p:nvGraphicFramePr>
             <p:xfrm>
-              <a:off x="973313" y="3652365"/>
+              <a:off x="4436194" y="6849672"/>
               <a:ext cx="1178984" cy="370840"/>
             </p:xfrm>
             <a:graphic>
@@ -3697,13 +4034,13 @@
               <p:nvPr>
                 <p:extLst>
                   <p:ext uri="{D42A27DB-BD31-4B8C-83A1-F6EECF244321}">
-                    <p14:modId xmlns:p14="http://schemas.microsoft.com/office/powerpoint/2010/main" val="1497143728"/>
+                    <p14:modId xmlns:p14="http://schemas.microsoft.com/office/powerpoint/2010/main" val="3651006465"/>
                   </p:ext>
                 </p:extLst>
               </p:nvPr>
             </p:nvGraphicFramePr>
             <p:xfrm>
-              <a:off x="973313" y="3652365"/>
+              <a:off x="4436194" y="6849672"/>
               <a:ext cx="1178984" cy="370840"/>
             </p:xfrm>
             <a:graphic>
@@ -3758,7 +4095,7 @@
                         <a:blipFill>
                           <a:blip r:embed="rId2"/>
                           <a:stretch>
-                            <a:fillRect l="-4167" r="-300000" b="-10000"/>
+                            <a:fillRect l="-4167" t="-3333" r="-300000" b="-6667"/>
                           </a:stretch>
                         </a:blipFill>
                       </a:tcPr>
@@ -3775,7 +4112,7 @@
                         <a:blipFill>
                           <a:blip r:embed="rId2"/>
                           <a:stretch>
-                            <a:fillRect l="-108696" r="-213043" b="-10000"/>
+                            <a:fillRect l="-108696" t="-3333" r="-213043" b="-6667"/>
                           </a:stretch>
                         </a:blipFill>
                       </a:tcPr>
@@ -3792,7 +4129,7 @@
                         <a:blipFill>
                           <a:blip r:embed="rId2"/>
                           <a:stretch>
-                            <a:fillRect l="-200000" r="-104167" b="-10000"/>
+                            <a:fillRect l="-200000" t="-3333" r="-104167" b="-6667"/>
                           </a:stretch>
                         </a:blipFill>
                       </a:tcPr>
@@ -3809,7 +4146,7 @@
                         <a:blipFill>
                           <a:blip r:embed="rId2"/>
                           <a:stretch>
-                            <a:fillRect l="-313043" r="-8696" b="-10000"/>
+                            <a:fillRect l="-313043" t="-3333" r="-8696" b="-6667"/>
                           </a:stretch>
                         </a:blipFill>
                       </a:tcPr>
@@ -3841,13 +4178,13 @@
           <p:nvPr>
             <p:extLst>
               <p:ext uri="{D42A27DB-BD31-4B8C-83A1-F6EECF244321}">
-                <p14:modId xmlns:p14="http://schemas.microsoft.com/office/powerpoint/2010/main" val="1454525202"/>
+                <p14:modId xmlns:p14="http://schemas.microsoft.com/office/powerpoint/2010/main" val="2732523402"/>
               </p:ext>
             </p:extLst>
           </p:nvPr>
         </p:nvGraphicFramePr>
         <p:xfrm>
-          <a:off x="2161022" y="3652377"/>
+          <a:off x="5623912" y="6849693"/>
           <a:ext cx="645125" cy="377327"/>
         </p:xfrm>
         <a:graphic>
@@ -3917,7 +4254,7 @@
         </p:nvSpPr>
         <p:spPr>
           <a:xfrm rot="5400000">
-            <a:off x="3562791" y="3230978"/>
+            <a:off x="7025672" y="6428294"/>
             <a:ext cx="1191776" cy="1207709"/>
           </a:xfrm>
           <a:prstGeom prst="trapezoid">
@@ -4009,7 +4346,7 @@
         </p:nvSpPr>
         <p:spPr>
           <a:xfrm>
-            <a:off x="4255382" y="3674336"/>
+            <a:off x="7718263" y="6871652"/>
             <a:ext cx="653838" cy="430887"/>
           </a:xfrm>
           <a:prstGeom prst="rect">
@@ -4054,7 +4391,7 @@
         </p:blipFill>
         <p:spPr>
           <a:xfrm>
-            <a:off x="1671239" y="4695655"/>
+            <a:off x="5134120" y="7892962"/>
             <a:ext cx="1080000" cy="1080000"/>
           </a:xfrm>
           <a:prstGeom prst="rect">
@@ -4079,7 +4416,7 @@
         </p:nvCxnSpPr>
         <p:spPr>
           <a:xfrm flipV="1">
-            <a:off x="2751239" y="5235598"/>
+            <a:off x="6214120" y="8432914"/>
             <a:ext cx="819660" cy="57"/>
           </a:xfrm>
           <a:prstGeom prst="straightConnector1">
@@ -4125,7 +4462,7 @@
         </p:nvCxnSpPr>
         <p:spPr>
           <a:xfrm flipV="1">
-            <a:off x="2806147" y="3834833"/>
+            <a:off x="6269028" y="7032149"/>
             <a:ext cx="748678" cy="6207"/>
           </a:xfrm>
           <a:prstGeom prst="straightConnector1">
@@ -4169,7 +4506,7 @@
         </p:nvCxnSpPr>
         <p:spPr>
           <a:xfrm flipV="1">
-            <a:off x="6900053" y="4535814"/>
+            <a:off x="10362934" y="7733121"/>
             <a:ext cx="868658" cy="6454"/>
           </a:xfrm>
           <a:prstGeom prst="straightConnector1">
@@ -4211,7 +4548,7 @@
         </p:nvSpPr>
         <p:spPr>
           <a:xfrm>
-            <a:off x="921619" y="3545984"/>
+            <a:off x="4384500" y="6743300"/>
             <a:ext cx="1239390" cy="567045"/>
           </a:xfrm>
           <a:prstGeom prst="rect">
@@ -4264,7 +4601,7 @@
         </p:nvSpPr>
         <p:spPr>
           <a:xfrm>
-            <a:off x="1421392" y="4124034"/>
+            <a:off x="4884282" y="7321341"/>
             <a:ext cx="963725" cy="400110"/>
           </a:xfrm>
           <a:prstGeom prst="rect">
@@ -4299,7 +4636,7 @@
         </p:nvSpPr>
         <p:spPr>
           <a:xfrm>
-            <a:off x="5579593" y="3731105"/>
+            <a:off x="9042483" y="6928412"/>
             <a:ext cx="867297" cy="207446"/>
           </a:xfrm>
           <a:prstGeom prst="rect">
@@ -4352,7 +4689,7 @@
         </p:nvSpPr>
         <p:spPr>
           <a:xfrm>
-            <a:off x="5607276" y="5136215"/>
+            <a:off x="9070166" y="8333522"/>
             <a:ext cx="867297" cy="207446"/>
           </a:xfrm>
           <a:prstGeom prst="rect">
@@ -4405,7 +4742,7 @@
         </p:nvSpPr>
         <p:spPr>
           <a:xfrm>
-            <a:off x="5392341" y="3361771"/>
+            <a:off x="8855222" y="6559078"/>
             <a:ext cx="1297150" cy="369332"/>
           </a:xfrm>
           <a:prstGeom prst="rect">
@@ -4449,7 +4786,7 @@
         </p:nvSpPr>
         <p:spPr>
           <a:xfrm>
-            <a:off x="5294558" y="5353887"/>
+            <a:off x="8757439" y="8551194"/>
             <a:ext cx="1492716" cy="369332"/>
           </a:xfrm>
           <a:prstGeom prst="rect">
@@ -4501,7 +4838,7 @@
         </p:blipFill>
         <p:spPr>
           <a:xfrm>
-            <a:off x="4143638" y="501714"/>
+            <a:off x="7908690" y="2421779"/>
             <a:ext cx="916166" cy="916166"/>
           </a:xfrm>
           <a:prstGeom prst="rect">
@@ -4531,7 +4868,7 @@
         </p:blipFill>
         <p:spPr>
           <a:xfrm>
-            <a:off x="492693" y="1744544"/>
+            <a:off x="3955583" y="3696148"/>
             <a:ext cx="727589" cy="727589"/>
           </a:xfrm>
           <a:prstGeom prst="rect">
@@ -4561,7 +4898,7 @@
         </p:blipFill>
         <p:spPr>
           <a:xfrm flipH="1">
-            <a:off x="4225233" y="1749407"/>
+            <a:off x="7979779" y="3669481"/>
             <a:ext cx="727591" cy="727591"/>
           </a:xfrm>
           <a:prstGeom prst="rect">
@@ -4591,7 +4928,7 @@
         </p:blipFill>
         <p:spPr>
           <a:xfrm>
-            <a:off x="8121145" y="1753729"/>
+            <a:off x="11762705" y="3673803"/>
             <a:ext cx="727591" cy="727591"/>
           </a:xfrm>
           <a:prstGeom prst="rect">
@@ -4613,7 +4950,7 @@
         </p:nvSpPr>
         <p:spPr>
           <a:xfrm>
-            <a:off x="1364479" y="2044012"/>
+            <a:off x="4827369" y="3995607"/>
             <a:ext cx="589271" cy="237574"/>
           </a:xfrm>
           <a:prstGeom prst="roundRect">
@@ -4685,7 +5022,7 @@
         </p:nvSpPr>
         <p:spPr>
           <a:xfrm>
-            <a:off x="1307268" y="2011734"/>
+            <a:off x="4770158" y="3963338"/>
             <a:ext cx="739305" cy="307777"/>
           </a:xfrm>
           <a:prstGeom prst="rect">
@@ -4724,7 +5061,7 @@
         </p:nvSpPr>
         <p:spPr>
           <a:xfrm>
-            <a:off x="3617236" y="2003287"/>
+            <a:off x="7371782" y="3923352"/>
             <a:ext cx="589271" cy="237574"/>
           </a:xfrm>
           <a:prstGeom prst="roundRect">
@@ -4796,7 +5133,7 @@
         </p:nvSpPr>
         <p:spPr>
           <a:xfrm>
-            <a:off x="3580774" y="1977624"/>
+            <a:off x="7335311" y="3897698"/>
             <a:ext cx="689612" cy="307777"/>
           </a:xfrm>
           <a:prstGeom prst="rect">
@@ -4835,7 +5172,7 @@
         </p:nvSpPr>
         <p:spPr>
           <a:xfrm>
-            <a:off x="7437584" y="1987744"/>
+            <a:off x="11079144" y="3907809"/>
             <a:ext cx="589271" cy="237574"/>
           </a:xfrm>
           <a:prstGeom prst="roundRect">
@@ -4907,7 +5244,7 @@
         </p:nvSpPr>
         <p:spPr>
           <a:xfrm>
-            <a:off x="7357794" y="1968421"/>
+            <a:off x="10999354" y="3888495"/>
             <a:ext cx="763351" cy="307777"/>
           </a:xfrm>
           <a:prstGeom prst="rect">
@@ -4946,7 +5283,7 @@
         </p:nvSpPr>
         <p:spPr>
           <a:xfrm>
-            <a:off x="7867990" y="4000040"/>
+            <a:off x="11330871" y="7197356"/>
             <a:ext cx="134844" cy="846343"/>
           </a:xfrm>
           <a:prstGeom prst="roundRect">
@@ -5009,7 +5346,7 @@
         </p:nvCxnSpPr>
         <p:spPr>
           <a:xfrm flipV="1">
-            <a:off x="7787729" y="3811465"/>
+            <a:off x="11250610" y="7008781"/>
             <a:ext cx="0" cy="1045101"/>
           </a:xfrm>
           <a:prstGeom prst="straightConnector1">
@@ -5053,7 +5390,7 @@
         </p:nvSpPr>
         <p:spPr>
           <a:xfrm>
-            <a:off x="8091989" y="4126378"/>
+            <a:off x="11554870" y="7323685"/>
             <a:ext cx="134844" cy="720000"/>
           </a:xfrm>
           <a:prstGeom prst="roundRect">
@@ -5114,7 +5451,7 @@
         </p:nvSpPr>
         <p:spPr>
           <a:xfrm>
-            <a:off x="8310635" y="4423207"/>
+            <a:off x="11773516" y="7620514"/>
             <a:ext cx="134844" cy="432000"/>
           </a:xfrm>
           <a:prstGeom prst="roundRect">
@@ -5175,7 +5512,7 @@
         </p:nvSpPr>
         <p:spPr>
           <a:xfrm>
-            <a:off x="8525739" y="4058674"/>
+            <a:off x="11988620" y="7255981"/>
             <a:ext cx="134844" cy="792000"/>
           </a:xfrm>
           <a:prstGeom prst="roundRect">
@@ -5238,7 +5575,7 @@
         </p:nvCxnSpPr>
         <p:spPr>
           <a:xfrm>
-            <a:off x="7778872" y="4851464"/>
+            <a:off x="11241753" y="8048771"/>
             <a:ext cx="1098380" cy="3742"/>
           </a:xfrm>
           <a:prstGeom prst="straightConnector1">
@@ -5282,7 +5619,7 @@
         </p:nvSpPr>
         <p:spPr>
           <a:xfrm>
-            <a:off x="7693458" y="4950463"/>
+            <a:off x="11156348" y="8147770"/>
             <a:ext cx="1150143" cy="338554"/>
           </a:xfrm>
           <a:prstGeom prst="rect">
@@ -5317,7 +5654,7 @@
         </p:nvSpPr>
         <p:spPr>
           <a:xfrm>
-            <a:off x="169333" y="6147206"/>
+            <a:off x="3650152" y="9825244"/>
             <a:ext cx="9098845" cy="568552"/>
           </a:xfrm>
           <a:prstGeom prst="roundRect">
@@ -5369,7 +5706,7 @@
         </p:nvSpPr>
         <p:spPr>
           <a:xfrm>
-            <a:off x="471045" y="6261989"/>
+            <a:off x="3951864" y="9940027"/>
             <a:ext cx="1005403" cy="338554"/>
           </a:xfrm>
           <a:prstGeom prst="rect">
@@ -5404,7 +5741,7 @@
         </p:nvSpPr>
         <p:spPr>
           <a:xfrm>
-            <a:off x="1725042" y="6253331"/>
+            <a:off x="5205861" y="9931369"/>
             <a:ext cx="741485" cy="338554"/>
           </a:xfrm>
           <a:prstGeom prst="rect">
@@ -5446,7 +5783,7 @@
         </p:nvSpPr>
         <p:spPr>
           <a:xfrm>
-            <a:off x="1356639" y="6264675"/>
+            <a:off x="4837458" y="9942722"/>
             <a:ext cx="492443" cy="461665"/>
           </a:xfrm>
           <a:prstGeom prst="rect">
@@ -5482,7 +5819,7 @@
         </p:nvSpPr>
         <p:spPr>
           <a:xfrm>
-            <a:off x="126004" y="6231226"/>
+            <a:off x="3606823" y="9909273"/>
             <a:ext cx="492443" cy="461665"/>
           </a:xfrm>
           <a:prstGeom prst="rect">
@@ -5519,7 +5856,7 @@
         </p:nvSpPr>
         <p:spPr>
           <a:xfrm>
-            <a:off x="6587304" y="6298759"/>
+            <a:off x="10068123" y="9976806"/>
             <a:ext cx="251999" cy="251999"/>
           </a:xfrm>
           <a:prstGeom prst="flowChartSummingJunction">
@@ -5571,7 +5908,7 @@
         </p:nvSpPr>
         <p:spPr>
           <a:xfrm>
-            <a:off x="6824710" y="6261073"/>
+            <a:off x="10305529" y="9939111"/>
             <a:ext cx="960519" cy="338554"/>
           </a:xfrm>
           <a:prstGeom prst="rect">
@@ -5613,7 +5950,7 @@
         </p:nvSpPr>
         <p:spPr>
           <a:xfrm>
-            <a:off x="4879675" y="6255990"/>
+            <a:off x="8360494" y="9934028"/>
             <a:ext cx="1665841" cy="338554"/>
           </a:xfrm>
           <a:prstGeom prst="rect">
@@ -5655,7 +5992,7 @@
         </p:nvSpPr>
         <p:spPr>
           <a:xfrm>
-            <a:off x="2747150" y="6261989"/>
+            <a:off x="6227969" y="9940027"/>
             <a:ext cx="1483419" cy="338554"/>
           </a:xfrm>
           <a:prstGeom prst="rect">
@@ -5696,7 +6033,7 @@
         </p:nvSpPr>
         <p:spPr>
           <a:xfrm>
-            <a:off x="6845928" y="4381638"/>
+            <a:off x="10308809" y="7578945"/>
             <a:ext cx="306000" cy="306000"/>
           </a:xfrm>
           <a:prstGeom prst="flowChartSummingJunction">
@@ -5748,7 +6085,7 @@
         </p:nvSpPr>
         <p:spPr>
           <a:xfrm>
-            <a:off x="4296807" y="152090"/>
+            <a:off x="8061868" y="2072155"/>
             <a:ext cx="589271" cy="237574"/>
           </a:xfrm>
           <a:prstGeom prst="roundRect">
@@ -5820,7 +6157,7 @@
         </p:nvSpPr>
         <p:spPr>
           <a:xfrm>
-            <a:off x="4267652" y="109308"/>
+            <a:off x="8032704" y="2029382"/>
             <a:ext cx="651140" cy="307777"/>
           </a:xfrm>
           <a:prstGeom prst="rect">
@@ -5856,7 +6193,7 @@
         </p:nvSpPr>
         <p:spPr>
           <a:xfrm>
-            <a:off x="2544631" y="1857846"/>
+            <a:off x="6007512" y="3777920"/>
             <a:ext cx="415498" cy="461665"/>
           </a:xfrm>
           <a:prstGeom prst="rect">
@@ -5891,7 +6228,7 @@
         </p:nvSpPr>
         <p:spPr>
           <a:xfrm>
-            <a:off x="6082454" y="1812657"/>
+            <a:off x="9545335" y="3732731"/>
             <a:ext cx="415498" cy="461665"/>
           </a:xfrm>
           <a:prstGeom prst="rect">
@@ -5912,59 +6249,6 @@
           </a:p>
         </p:txBody>
       </p:sp>
-      <p:sp>
-        <p:nvSpPr>
-          <p:cNvPr id="29" name="Rounded Rectangle 28">
-            <a:extLst>
-              <a:ext uri="{FF2B5EF4-FFF2-40B4-BE49-F238E27FC236}">
-                <a16:creationId xmlns:a16="http://schemas.microsoft.com/office/drawing/2014/main" id="{B00BABA7-52C6-E74B-BD78-5845748F7F9F}"/>
-              </a:ext>
-            </a:extLst>
-          </p:cNvPr>
-          <p:cNvSpPr/>
-          <p:nvPr/>
-        </p:nvSpPr>
-        <p:spPr>
-          <a:xfrm>
-            <a:off x="169333" y="3135903"/>
-            <a:ext cx="9098845" cy="2846304"/>
-          </a:xfrm>
-          <a:prstGeom prst="roundRect">
-            <a:avLst/>
-          </a:prstGeom>
-          <a:noFill/>
-          <a:ln w="22225">
-            <a:solidFill>
-              <a:schemeClr val="tx1"/>
-            </a:solidFill>
-            <a:prstDash val="dash"/>
-          </a:ln>
-        </p:spPr>
-        <p:style>
-          <a:lnRef idx="2">
-            <a:schemeClr val="accent1">
-              <a:shade val="50000"/>
-            </a:schemeClr>
-          </a:lnRef>
-          <a:fillRef idx="1">
-            <a:schemeClr val="accent1"/>
-          </a:fillRef>
-          <a:effectRef idx="0">
-            <a:schemeClr val="accent1"/>
-          </a:effectRef>
-          <a:fontRef idx="minor">
-            <a:schemeClr val="lt1"/>
-          </a:fontRef>
-        </p:style>
-        <p:txBody>
-          <a:bodyPr rtlCol="0" anchor="ctr"/>
-          <a:lstStyle/>
-          <a:p>
-            <a:pPr algn="ctr"/>
-            <a:endParaRPr lang="en-CN"/>
-          </a:p>
-        </p:txBody>
-      </p:sp>
       <p:cxnSp>
         <p:nvCxnSpPr>
           <p:cNvPr id="115" name="Straight Arrow Connector 114">
@@ -5981,8 +6265,8 @@
         </p:nvCxnSpPr>
         <p:spPr>
           <a:xfrm flipV="1">
-            <a:off x="1155519" y="785122"/>
-            <a:ext cx="2873446" cy="884053"/>
+            <a:off x="4575377" y="2699088"/>
+            <a:ext cx="3245704" cy="912120"/>
           </a:xfrm>
           <a:prstGeom prst="straightConnector1">
             <a:avLst/>
@@ -6025,7 +6309,7 @@
         </p:nvCxnSpPr>
         <p:spPr>
           <a:xfrm flipV="1">
-            <a:off x="4599231" y="1387489"/>
+            <a:off x="8300275" y="3307563"/>
             <a:ext cx="0" cy="280297"/>
           </a:xfrm>
           <a:prstGeom prst="straightConnector1">
@@ -6071,8 +6355,8 @@
         </p:nvCxnSpPr>
         <p:spPr>
           <a:xfrm flipH="1" flipV="1">
-            <a:off x="5169495" y="768147"/>
-            <a:ext cx="3244910" cy="879510"/>
+            <a:off x="8905642" y="2688212"/>
+            <a:ext cx="3240000" cy="879510"/>
           </a:xfrm>
           <a:prstGeom prst="straightConnector1">
             <a:avLst/>
@@ -6116,7 +6400,7 @@
         </p:nvSpPr>
         <p:spPr>
           <a:xfrm rot="5400000">
-            <a:off x="4384240" y="2650333"/>
+            <a:off x="8138786" y="4904794"/>
             <a:ext cx="409575" cy="353165"/>
           </a:xfrm>
           <a:prstGeom prst="rightArrow">
@@ -6190,13 +6474,13 @@
               <p:nvPr>
                 <p:extLst>
                   <p:ext uri="{D42A27DB-BD31-4B8C-83A1-F6EECF244321}">
-                    <p14:modId xmlns:p14="http://schemas.microsoft.com/office/powerpoint/2010/main" val="883356674"/>
+                    <p14:modId xmlns:p14="http://schemas.microsoft.com/office/powerpoint/2010/main" val="438928849"/>
                   </p:ext>
                 </p:extLst>
               </p:nvPr>
             </p:nvGraphicFramePr>
             <p:xfrm>
-              <a:off x="2468608" y="6236077"/>
+              <a:off x="5949418" y="9914115"/>
               <a:ext cx="294746" cy="370840"/>
             </p:xfrm>
             <a:graphic>
@@ -6301,13 +6585,13 @@
               <p:nvPr>
                 <p:extLst>
                   <p:ext uri="{D42A27DB-BD31-4B8C-83A1-F6EECF244321}">
-                    <p14:modId xmlns:p14="http://schemas.microsoft.com/office/powerpoint/2010/main" val="883356674"/>
+                    <p14:modId xmlns:p14="http://schemas.microsoft.com/office/powerpoint/2010/main" val="438928849"/>
                   </p:ext>
                 </p:extLst>
               </p:nvPr>
             </p:nvGraphicFramePr>
             <p:xfrm>
-              <a:off x="2468608" y="6236077"/>
+              <a:off x="5949418" y="9914115"/>
               <a:ext cx="294746" cy="370840"/>
             </p:xfrm>
             <a:graphic>
@@ -6341,7 +6625,7 @@
                         <a:blipFill>
                           <a:blip r:embed="rId8"/>
                           <a:stretch>
-                            <a:fillRect l="-4167" t="-3333" r="-8333" b="-6667"/>
+                            <a:fillRect l="-4167" r="-8333" b="-10000"/>
                           </a:stretch>
                         </a:blipFill>
                       </a:tcPr>
@@ -6373,13 +6657,13 @@
           <p:nvPr>
             <p:extLst>
               <p:ext uri="{D42A27DB-BD31-4B8C-83A1-F6EECF244321}">
-                <p14:modId xmlns:p14="http://schemas.microsoft.com/office/powerpoint/2010/main" val="2893001082"/>
+                <p14:modId xmlns:p14="http://schemas.microsoft.com/office/powerpoint/2010/main" val="2584112033"/>
               </p:ext>
             </p:extLst>
           </p:nvPr>
         </p:nvGraphicFramePr>
         <p:xfrm>
-          <a:off x="4239684" y="6242605"/>
+          <a:off x="7720503" y="9920652"/>
           <a:ext cx="645125" cy="377327"/>
         </p:xfrm>
         <a:graphic>
@@ -6449,7 +6733,7 @@
         </p:nvSpPr>
         <p:spPr>
           <a:xfrm>
-            <a:off x="7806078" y="6279917"/>
+            <a:off x="11286888" y="9957955"/>
             <a:ext cx="263420" cy="303338"/>
           </a:xfrm>
           <a:prstGeom prst="rect">
@@ -6502,7 +6786,7 @@
         </p:nvSpPr>
         <p:spPr>
           <a:xfrm>
-            <a:off x="8101016" y="6267279"/>
+            <a:off x="11581826" y="9945317"/>
             <a:ext cx="1177374" cy="338554"/>
           </a:xfrm>
           <a:prstGeom prst="rect">
@@ -6527,6 +6811,2210 @@
               <a:rPr lang="en-CN" dirty="0"/>
               <a:t>Transmitted</a:t>
             </a:r>
+          </a:p>
+        </p:txBody>
+      </p:sp>
+      <p:sp>
+        <p:nvSpPr>
+          <p:cNvPr id="77" name="Rectangle 76">
+            <a:extLst>
+              <a:ext uri="{FF2B5EF4-FFF2-40B4-BE49-F238E27FC236}">
+                <a16:creationId xmlns:a16="http://schemas.microsoft.com/office/drawing/2014/main" id="{98AFD6D4-7AAF-A346-AD11-FED71FA41911}"/>
+              </a:ext>
+            </a:extLst>
+          </p:cNvPr>
+          <p:cNvSpPr/>
+          <p:nvPr/>
+        </p:nvSpPr>
+        <p:spPr>
+          <a:xfrm>
+            <a:off x="13368349" y="1036358"/>
+            <a:ext cx="3671634" cy="1945786"/>
+          </a:xfrm>
+          <a:prstGeom prst="rect">
+            <a:avLst/>
+          </a:prstGeom>
+          <a:solidFill>
+            <a:schemeClr val="bg1"/>
+          </a:solidFill>
+          <a:ln w="19050">
+            <a:solidFill>
+              <a:schemeClr val="tx1"/>
+            </a:solidFill>
+          </a:ln>
+        </p:spPr>
+        <p:style>
+          <a:lnRef idx="2">
+            <a:schemeClr val="accent1">
+              <a:shade val="50000"/>
+            </a:schemeClr>
+          </a:lnRef>
+          <a:fillRef idx="1">
+            <a:schemeClr val="accent1"/>
+          </a:fillRef>
+          <a:effectRef idx="0">
+            <a:schemeClr val="accent1"/>
+          </a:effectRef>
+          <a:fontRef idx="minor">
+            <a:schemeClr val="lt1"/>
+          </a:fontRef>
+        </p:style>
+        <p:txBody>
+          <a:bodyPr rtlCol="0" anchor="ctr"/>
+          <a:lstStyle/>
+          <a:p>
+            <a:pPr algn="ctr"/>
+            <a:endParaRPr lang="en-CN" dirty="0"/>
+          </a:p>
+        </p:txBody>
+      </p:sp>
+      <p:sp>
+        <p:nvSpPr>
+          <p:cNvPr id="83" name="Rectangle 82">
+            <a:extLst>
+              <a:ext uri="{FF2B5EF4-FFF2-40B4-BE49-F238E27FC236}">
+                <a16:creationId xmlns:a16="http://schemas.microsoft.com/office/drawing/2014/main" id="{FFC414ED-F786-754D-8B4B-062DD71E49EE}"/>
+              </a:ext>
+            </a:extLst>
+          </p:cNvPr>
+          <p:cNvSpPr/>
+          <p:nvPr/>
+        </p:nvSpPr>
+        <p:spPr>
+          <a:xfrm>
+            <a:off x="13391449" y="3581736"/>
+            <a:ext cx="3671634" cy="1607775"/>
+          </a:xfrm>
+          <a:prstGeom prst="rect">
+            <a:avLst/>
+          </a:prstGeom>
+          <a:solidFill>
+            <a:schemeClr val="bg1"/>
+          </a:solidFill>
+          <a:ln w="19050">
+            <a:solidFill>
+              <a:schemeClr val="tx1"/>
+            </a:solidFill>
+          </a:ln>
+        </p:spPr>
+        <p:style>
+          <a:lnRef idx="2">
+            <a:schemeClr val="accent1">
+              <a:shade val="50000"/>
+            </a:schemeClr>
+          </a:lnRef>
+          <a:fillRef idx="1">
+            <a:schemeClr val="accent1"/>
+          </a:fillRef>
+          <a:effectRef idx="0">
+            <a:schemeClr val="accent1"/>
+          </a:effectRef>
+          <a:fontRef idx="minor">
+            <a:schemeClr val="lt1"/>
+          </a:fontRef>
+        </p:style>
+        <p:txBody>
+          <a:bodyPr rtlCol="0" anchor="ctr"/>
+          <a:lstStyle/>
+          <a:p>
+            <a:pPr algn="ctr"/>
+            <a:endParaRPr lang="en-CN"/>
+          </a:p>
+        </p:txBody>
+      </p:sp>
+      <p:cxnSp>
+        <p:nvCxnSpPr>
+          <p:cNvPr id="89" name="Straight Arrow Connector 88">
+            <a:extLst>
+              <a:ext uri="{FF2B5EF4-FFF2-40B4-BE49-F238E27FC236}">
+                <a16:creationId xmlns:a16="http://schemas.microsoft.com/office/drawing/2014/main" id="{011193CA-9EB8-F341-811B-B44FF18F3737}"/>
+              </a:ext>
+            </a:extLst>
+          </p:cNvPr>
+          <p:cNvCxnSpPr>
+            <a:cxnSpLocks/>
+          </p:cNvCxnSpPr>
+          <p:nvPr/>
+        </p:nvCxnSpPr>
+        <p:spPr>
+          <a:xfrm flipH="1">
+            <a:off x="4520302" y="2620945"/>
+            <a:ext cx="3242616" cy="896508"/>
+          </a:xfrm>
+          <a:prstGeom prst="straightConnector1">
+            <a:avLst/>
+          </a:prstGeom>
+          <a:ln w="25400">
+            <a:solidFill>
+              <a:srgbClr val="92D050"/>
+            </a:solidFill>
+            <a:tailEnd type="triangle" w="med" len="lg"/>
+          </a:ln>
+        </p:spPr>
+        <p:style>
+          <a:lnRef idx="1">
+            <a:schemeClr val="accent1"/>
+          </a:lnRef>
+          <a:fillRef idx="0">
+            <a:schemeClr val="accent1"/>
+          </a:fillRef>
+          <a:effectRef idx="0">
+            <a:schemeClr val="accent1"/>
+          </a:effectRef>
+          <a:fontRef idx="minor">
+            <a:schemeClr val="tx1"/>
+          </a:fontRef>
+        </p:style>
+      </p:cxnSp>
+      <p:cxnSp>
+        <p:nvCxnSpPr>
+          <p:cNvPr id="92" name="Straight Arrow Connector 91">
+            <a:extLst>
+              <a:ext uri="{FF2B5EF4-FFF2-40B4-BE49-F238E27FC236}">
+                <a16:creationId xmlns:a16="http://schemas.microsoft.com/office/drawing/2014/main" id="{BE7144B1-175C-474E-9141-F3C810AADE38}"/>
+              </a:ext>
+            </a:extLst>
+          </p:cNvPr>
+          <p:cNvCxnSpPr>
+            <a:cxnSpLocks/>
+          </p:cNvCxnSpPr>
+          <p:nvPr/>
+        </p:nvCxnSpPr>
+        <p:spPr>
+          <a:xfrm>
+            <a:off x="8398914" y="3319657"/>
+            <a:ext cx="0" cy="309776"/>
+          </a:xfrm>
+          <a:prstGeom prst="straightConnector1">
+            <a:avLst/>
+          </a:prstGeom>
+          <a:ln w="25400">
+            <a:solidFill>
+              <a:schemeClr val="bg2">
+                <a:lumMod val="75000"/>
+              </a:schemeClr>
+            </a:solidFill>
+            <a:tailEnd type="triangle" w="med" len="lg"/>
+          </a:ln>
+        </p:spPr>
+        <p:style>
+          <a:lnRef idx="1">
+            <a:schemeClr val="accent1"/>
+          </a:lnRef>
+          <a:fillRef idx="0">
+            <a:schemeClr val="accent1"/>
+          </a:fillRef>
+          <a:effectRef idx="0">
+            <a:schemeClr val="accent1"/>
+          </a:effectRef>
+          <a:fontRef idx="minor">
+            <a:schemeClr val="tx1"/>
+          </a:fontRef>
+        </p:style>
+      </p:cxnSp>
+      <p:cxnSp>
+        <p:nvCxnSpPr>
+          <p:cNvPr id="94" name="Straight Arrow Connector 93">
+            <a:extLst>
+              <a:ext uri="{FF2B5EF4-FFF2-40B4-BE49-F238E27FC236}">
+                <a16:creationId xmlns:a16="http://schemas.microsoft.com/office/drawing/2014/main" id="{2B0A2087-0960-7B41-B44A-922A4E16445C}"/>
+              </a:ext>
+            </a:extLst>
+          </p:cNvPr>
+          <p:cNvCxnSpPr>
+            <a:cxnSpLocks/>
+          </p:cNvCxnSpPr>
+          <p:nvPr/>
+        </p:nvCxnSpPr>
+        <p:spPr>
+          <a:xfrm>
+            <a:off x="8968023" y="2603334"/>
+            <a:ext cx="3221309" cy="890020"/>
+          </a:xfrm>
+          <a:prstGeom prst="straightConnector1">
+            <a:avLst/>
+          </a:prstGeom>
+          <a:ln w="25400">
+            <a:solidFill>
+              <a:schemeClr val="accent2">
+                <a:lumMod val="60000"/>
+                <a:lumOff val="40000"/>
+              </a:schemeClr>
+            </a:solidFill>
+            <a:tailEnd type="triangle" w="med" len="lg"/>
+          </a:ln>
+        </p:spPr>
+        <p:style>
+          <a:lnRef idx="1">
+            <a:schemeClr val="accent1"/>
+          </a:lnRef>
+          <a:fillRef idx="0">
+            <a:schemeClr val="accent1"/>
+          </a:fillRef>
+          <a:effectRef idx="0">
+            <a:schemeClr val="accent1"/>
+          </a:effectRef>
+          <a:fontRef idx="minor">
+            <a:schemeClr val="tx1"/>
+          </a:fontRef>
+        </p:style>
+      </p:cxnSp>
+      <p:sp>
+        <p:nvSpPr>
+          <p:cNvPr id="36" name="Rectangle 35">
+            <a:extLst>
+              <a:ext uri="{FF2B5EF4-FFF2-40B4-BE49-F238E27FC236}">
+                <a16:creationId xmlns:a16="http://schemas.microsoft.com/office/drawing/2014/main" id="{6007AF64-4CD0-2248-8760-319223121ADC}"/>
+              </a:ext>
+            </a:extLst>
+          </p:cNvPr>
+          <p:cNvSpPr/>
+          <p:nvPr/>
+        </p:nvSpPr>
+        <p:spPr>
+          <a:xfrm>
+            <a:off x="13367065" y="594395"/>
+            <a:ext cx="3671634" cy="441960"/>
+          </a:xfrm>
+          <a:prstGeom prst="rect">
+            <a:avLst/>
+          </a:prstGeom>
+          <a:solidFill>
+            <a:schemeClr val="bg1">
+              <a:lumMod val="75000"/>
+            </a:schemeClr>
+          </a:solidFill>
+        </p:spPr>
+        <p:style>
+          <a:lnRef idx="2">
+            <a:schemeClr val="accent1">
+              <a:shade val="50000"/>
+            </a:schemeClr>
+          </a:lnRef>
+          <a:fillRef idx="1">
+            <a:schemeClr val="accent1"/>
+          </a:fillRef>
+          <a:effectRef idx="0">
+            <a:schemeClr val="accent1"/>
+          </a:effectRef>
+          <a:fontRef idx="minor">
+            <a:schemeClr val="lt1"/>
+          </a:fontRef>
+        </p:style>
+        <p:txBody>
+          <a:bodyPr rtlCol="0" anchor="ctr"/>
+          <a:lstStyle/>
+          <a:p>
+            <a:pPr algn="ctr"/>
+            <a:r>
+              <a:rPr lang="en-CN" sz="2000">
+                <a:solidFill>
+                  <a:schemeClr val="tx1"/>
+                </a:solidFill>
+              </a:rPr>
+              <a:t>Evaluation</a:t>
+            </a:r>
+            <a:r>
+              <a:rPr lang="zh-CN" altLang="en-US" sz="2000">
+                <a:solidFill>
+                  <a:schemeClr val="tx1"/>
+                </a:solidFill>
+              </a:rPr>
+              <a:t> </a:t>
+            </a:r>
+            <a:r>
+              <a:rPr lang="en-US" altLang="zh-CN" sz="2000" dirty="0">
+                <a:solidFill>
+                  <a:schemeClr val="tx1"/>
+                </a:solidFill>
+              </a:rPr>
+              <a:t>Protocols</a:t>
+            </a:r>
+            <a:endParaRPr lang="en-CN" sz="2000" dirty="0">
+              <a:solidFill>
+                <a:schemeClr val="tx1"/>
+              </a:solidFill>
+            </a:endParaRPr>
+          </a:p>
+        </p:txBody>
+      </p:sp>
+      <p:sp>
+        <p:nvSpPr>
+          <p:cNvPr id="38" name="Rectangle 37">
+            <a:extLst>
+              <a:ext uri="{FF2B5EF4-FFF2-40B4-BE49-F238E27FC236}">
+                <a16:creationId xmlns:a16="http://schemas.microsoft.com/office/drawing/2014/main" id="{DCC573DE-C94D-8348-948F-402337C9B021}"/>
+              </a:ext>
+            </a:extLst>
+          </p:cNvPr>
+          <p:cNvSpPr/>
+          <p:nvPr/>
+        </p:nvSpPr>
+        <p:spPr>
+          <a:xfrm>
+            <a:off x="13391448" y="3139771"/>
+            <a:ext cx="3671634" cy="441960"/>
+          </a:xfrm>
+          <a:prstGeom prst="rect">
+            <a:avLst/>
+          </a:prstGeom>
+          <a:solidFill>
+            <a:schemeClr val="bg1">
+              <a:lumMod val="75000"/>
+            </a:schemeClr>
+          </a:solidFill>
+        </p:spPr>
+        <p:style>
+          <a:lnRef idx="2">
+            <a:schemeClr val="accent1">
+              <a:shade val="50000"/>
+            </a:schemeClr>
+          </a:lnRef>
+          <a:fillRef idx="1">
+            <a:schemeClr val="accent1"/>
+          </a:fillRef>
+          <a:effectRef idx="0">
+            <a:schemeClr val="accent1"/>
+          </a:effectRef>
+          <a:fontRef idx="minor">
+            <a:schemeClr val="lt1"/>
+          </a:fontRef>
+        </p:style>
+        <p:txBody>
+          <a:bodyPr rtlCol="0" anchor="ctr"/>
+          <a:lstStyle/>
+          <a:p>
+            <a:pPr algn="ctr"/>
+            <a:r>
+              <a:rPr lang="en-CN" sz="2000" dirty="0">
+                <a:solidFill>
+                  <a:schemeClr val="tx1"/>
+                </a:solidFill>
+              </a:rPr>
+              <a:t>Predefined Models</a:t>
+            </a:r>
+          </a:p>
+        </p:txBody>
+      </p:sp>
+      <p:sp>
+        <p:nvSpPr>
+          <p:cNvPr id="99" name="Rectangle 98">
+            <a:extLst>
+              <a:ext uri="{FF2B5EF4-FFF2-40B4-BE49-F238E27FC236}">
+                <a16:creationId xmlns:a16="http://schemas.microsoft.com/office/drawing/2014/main" id="{FB41E1B5-EE74-794F-AD8E-9E047DCC6911}"/>
+              </a:ext>
+            </a:extLst>
+          </p:cNvPr>
+          <p:cNvSpPr/>
+          <p:nvPr/>
+        </p:nvSpPr>
+        <p:spPr>
+          <a:xfrm>
+            <a:off x="260372" y="722468"/>
+            <a:ext cx="3064390" cy="441960"/>
+          </a:xfrm>
+          <a:prstGeom prst="rect">
+            <a:avLst/>
+          </a:prstGeom>
+          <a:solidFill>
+            <a:schemeClr val="bg1">
+              <a:lumMod val="75000"/>
+            </a:schemeClr>
+          </a:solidFill>
+        </p:spPr>
+        <p:style>
+          <a:lnRef idx="2">
+            <a:schemeClr val="accent1">
+              <a:shade val="50000"/>
+            </a:schemeClr>
+          </a:lnRef>
+          <a:fillRef idx="1">
+            <a:schemeClr val="accent1"/>
+          </a:fillRef>
+          <a:effectRef idx="0">
+            <a:schemeClr val="accent1"/>
+          </a:effectRef>
+          <a:fontRef idx="minor">
+            <a:schemeClr val="lt1"/>
+          </a:fontRef>
+        </p:style>
+        <p:txBody>
+          <a:bodyPr rtlCol="0" anchor="ctr"/>
+          <a:lstStyle/>
+          <a:p>
+            <a:pPr algn="ctr"/>
+            <a:r>
+              <a:rPr lang="en-CN" dirty="0">
+                <a:solidFill>
+                  <a:schemeClr val="tx1"/>
+                </a:solidFill>
+              </a:rPr>
+              <a:t>Federated</a:t>
+            </a:r>
+            <a:r>
+              <a:rPr lang="zh-CN" altLang="en-US" dirty="0">
+                <a:solidFill>
+                  <a:schemeClr val="tx1"/>
+                </a:solidFill>
+              </a:rPr>
+              <a:t> </a:t>
+            </a:r>
+            <a:r>
+              <a:rPr lang="en-US" altLang="zh-CN" dirty="0">
+                <a:solidFill>
+                  <a:schemeClr val="tx1"/>
+                </a:solidFill>
+              </a:rPr>
+              <a:t>Learning</a:t>
+            </a:r>
+            <a:r>
+              <a:rPr lang="zh-CN" altLang="en-US" dirty="0">
+                <a:solidFill>
+                  <a:schemeClr val="tx1"/>
+                </a:solidFill>
+              </a:rPr>
+              <a:t> </a:t>
+            </a:r>
+            <a:r>
+              <a:rPr lang="en-US" altLang="zh-CN" dirty="0">
+                <a:solidFill>
+                  <a:schemeClr val="tx1"/>
+                </a:solidFill>
+              </a:rPr>
+              <a:t>Algorithms</a:t>
+            </a:r>
+            <a:endParaRPr lang="en-CN" dirty="0">
+              <a:solidFill>
+                <a:schemeClr val="tx1"/>
+              </a:solidFill>
+            </a:endParaRPr>
+          </a:p>
+        </p:txBody>
+      </p:sp>
+      <p:sp>
+        <p:nvSpPr>
+          <p:cNvPr id="100" name="Rectangle 99">
+            <a:extLst>
+              <a:ext uri="{FF2B5EF4-FFF2-40B4-BE49-F238E27FC236}">
+                <a16:creationId xmlns:a16="http://schemas.microsoft.com/office/drawing/2014/main" id="{596AF0EE-FEFE-524A-A4A9-14C43B60F9AC}"/>
+              </a:ext>
+            </a:extLst>
+          </p:cNvPr>
+          <p:cNvSpPr/>
+          <p:nvPr/>
+        </p:nvSpPr>
+        <p:spPr>
+          <a:xfrm>
+            <a:off x="270928" y="5827194"/>
+            <a:ext cx="3060000" cy="441960"/>
+          </a:xfrm>
+          <a:prstGeom prst="rect">
+            <a:avLst/>
+          </a:prstGeom>
+          <a:solidFill>
+            <a:schemeClr val="bg1">
+              <a:lumMod val="75000"/>
+            </a:schemeClr>
+          </a:solidFill>
+        </p:spPr>
+        <p:style>
+          <a:lnRef idx="2">
+            <a:schemeClr val="accent1">
+              <a:shade val="50000"/>
+            </a:schemeClr>
+          </a:lnRef>
+          <a:fillRef idx="1">
+            <a:schemeClr val="accent1"/>
+          </a:fillRef>
+          <a:effectRef idx="0">
+            <a:schemeClr val="accent1"/>
+          </a:effectRef>
+          <a:fontRef idx="minor">
+            <a:schemeClr val="lt1"/>
+          </a:fontRef>
+        </p:style>
+        <p:txBody>
+          <a:bodyPr rtlCol="0" anchor="ctr"/>
+          <a:lstStyle/>
+          <a:p>
+            <a:pPr algn="ctr"/>
+            <a:r>
+              <a:rPr lang="en-CN" altLang="zh-CN" dirty="0">
+                <a:solidFill>
+                  <a:schemeClr val="tx1"/>
+                </a:solidFill>
+              </a:rPr>
+              <a:t>Prompt</a:t>
+            </a:r>
+            <a:r>
+              <a:rPr lang="zh-CN" altLang="en-US" dirty="0">
+                <a:solidFill>
+                  <a:schemeClr val="tx1"/>
+                </a:solidFill>
+              </a:rPr>
+              <a:t> </a:t>
+            </a:r>
+            <a:r>
+              <a:rPr lang="en-US" altLang="zh-CN" dirty="0">
+                <a:solidFill>
+                  <a:schemeClr val="tx1"/>
+                </a:solidFill>
+              </a:rPr>
+              <a:t>Learning</a:t>
+            </a:r>
+            <a:r>
+              <a:rPr lang="zh-CN" altLang="en-US" dirty="0">
+                <a:solidFill>
+                  <a:schemeClr val="tx1"/>
+                </a:solidFill>
+              </a:rPr>
+              <a:t> </a:t>
+            </a:r>
+            <a:r>
+              <a:rPr lang="en-US" altLang="zh-CN" dirty="0">
+                <a:solidFill>
+                  <a:schemeClr val="tx1"/>
+                </a:solidFill>
+              </a:rPr>
+              <a:t>Algorithms</a:t>
+            </a:r>
+            <a:endParaRPr lang="en-CN" dirty="0">
+              <a:solidFill>
+                <a:schemeClr val="tx1"/>
+              </a:solidFill>
+            </a:endParaRPr>
+          </a:p>
+        </p:txBody>
+      </p:sp>
+      <p:sp>
+        <p:nvSpPr>
+          <p:cNvPr id="40" name="TextBox 39">
+            <a:extLst>
+              <a:ext uri="{FF2B5EF4-FFF2-40B4-BE49-F238E27FC236}">
+                <a16:creationId xmlns:a16="http://schemas.microsoft.com/office/drawing/2014/main" id="{5DFB8AE9-65AF-B147-A487-2F539099C1F5}"/>
+              </a:ext>
+            </a:extLst>
+          </p:cNvPr>
+          <p:cNvSpPr txBox="1"/>
+          <p:nvPr/>
+        </p:nvSpPr>
+        <p:spPr>
+          <a:xfrm>
+            <a:off x="3905682" y="8246093"/>
+            <a:ext cx="1096839" cy="338554"/>
+          </a:xfrm>
+          <a:prstGeom prst="rect">
+            <a:avLst/>
+          </a:prstGeom>
+          <a:noFill/>
+        </p:spPr>
+        <p:txBody>
+          <a:bodyPr wrap="none" rtlCol="0">
+            <a:spAutoFit/>
+          </a:bodyPr>
+          <a:lstStyle/>
+          <a:p>
+            <a:r>
+              <a:rPr lang="en-CN" sz="1600" dirty="0"/>
+              <a:t>Client</a:t>
+            </a:r>
+            <a:r>
+              <a:rPr lang="zh-CN" altLang="en-US" sz="1600" dirty="0"/>
+              <a:t> </a:t>
+            </a:r>
+            <a:r>
+              <a:rPr lang="en-US" altLang="zh-CN" sz="1600" dirty="0"/>
+              <a:t>Data</a:t>
+            </a:r>
+            <a:endParaRPr lang="en-CN" sz="1600" dirty="0"/>
+          </a:p>
+        </p:txBody>
+      </p:sp>
+      <p:sp>
+        <p:nvSpPr>
+          <p:cNvPr id="42" name="TextBox 41">
+            <a:extLst>
+              <a:ext uri="{FF2B5EF4-FFF2-40B4-BE49-F238E27FC236}">
+                <a16:creationId xmlns:a16="http://schemas.microsoft.com/office/drawing/2014/main" id="{277B0653-D976-6F4B-B4DD-1EB0F99A161C}"/>
+              </a:ext>
+            </a:extLst>
+          </p:cNvPr>
+          <p:cNvSpPr txBox="1"/>
+          <p:nvPr/>
+        </p:nvSpPr>
+        <p:spPr>
+          <a:xfrm>
+            <a:off x="13427053" y="1194215"/>
+            <a:ext cx="3611651" cy="1754326"/>
+          </a:xfrm>
+          <a:prstGeom prst="rect">
+            <a:avLst/>
+          </a:prstGeom>
+          <a:noFill/>
+        </p:spPr>
+        <p:txBody>
+          <a:bodyPr wrap="square" rtlCol="0">
+            <a:spAutoFit/>
+          </a:bodyPr>
+          <a:lstStyle/>
+          <a:p>
+            <a:pPr marL="285750" indent="-285750">
+              <a:buFont typeface="Wingdings" pitchFamily="2" charset="2"/>
+              <a:buChar char="ü"/>
+            </a:pPr>
+            <a:r>
+              <a:rPr lang="en-US" dirty="0"/>
+              <a:t>G</a:t>
+            </a:r>
+            <a:r>
+              <a:rPr lang="en-CN" dirty="0"/>
+              <a:t>lobal</a:t>
+            </a:r>
+            <a:r>
+              <a:rPr lang="zh-CN" altLang="en-US" dirty="0"/>
+              <a:t> </a:t>
+            </a:r>
+            <a:r>
+              <a:rPr lang="en-US" altLang="zh-CN" dirty="0"/>
+              <a:t>model</a:t>
+            </a:r>
+            <a:r>
+              <a:rPr lang="zh-CN" altLang="en-US" dirty="0"/>
+              <a:t> </a:t>
+            </a:r>
+            <a:r>
+              <a:rPr lang="en-US" altLang="zh-CN" dirty="0"/>
+              <a:t>performance</a:t>
+            </a:r>
+          </a:p>
+          <a:p>
+            <a:pPr marL="285750" indent="-285750">
+              <a:buFont typeface="Wingdings" pitchFamily="2" charset="2"/>
+              <a:buChar char="ü"/>
+            </a:pPr>
+            <a:r>
+              <a:rPr lang="en-US" dirty="0"/>
+              <a:t>Personalized</a:t>
+            </a:r>
+            <a:r>
+              <a:rPr lang="zh-CN" altLang="en-US" dirty="0"/>
+              <a:t> </a:t>
+            </a:r>
+            <a:r>
+              <a:rPr lang="en-US" altLang="zh-CN" dirty="0"/>
+              <a:t>model</a:t>
+            </a:r>
+            <a:r>
+              <a:rPr lang="zh-CN" altLang="en-US" dirty="0"/>
+              <a:t> </a:t>
+            </a:r>
+            <a:r>
+              <a:rPr lang="en-US" altLang="zh-CN" dirty="0"/>
+              <a:t>performance</a:t>
+            </a:r>
+          </a:p>
+          <a:p>
+            <a:pPr marL="285750" indent="-285750">
+              <a:buFont typeface="Wingdings" pitchFamily="2" charset="2"/>
+              <a:buChar char="ü"/>
+            </a:pPr>
+            <a:r>
+              <a:rPr lang="en-CN" dirty="0"/>
+              <a:t>Base</a:t>
+            </a:r>
+            <a:r>
+              <a:rPr lang="en-US" altLang="zh-CN" dirty="0"/>
+              <a:t>-to-novel class generalization</a:t>
+            </a:r>
+          </a:p>
+          <a:p>
+            <a:pPr marL="285750" indent="-285750">
+              <a:buFont typeface="Wingdings" pitchFamily="2" charset="2"/>
+              <a:buChar char="ü"/>
+            </a:pPr>
+            <a:r>
+              <a:rPr lang="en-US" dirty="0"/>
+              <a:t>Few-shot learning</a:t>
+            </a:r>
+          </a:p>
+          <a:p>
+            <a:pPr marL="285750" indent="-285750">
+              <a:buFont typeface="Wingdings" pitchFamily="2" charset="2"/>
+              <a:buChar char="ü"/>
+            </a:pPr>
+            <a:r>
+              <a:rPr lang="en-US" dirty="0"/>
+              <a:t>Cross domain generalization</a:t>
+            </a:r>
+          </a:p>
+          <a:p>
+            <a:pPr algn="ctr"/>
+            <a:r>
+              <a:rPr lang="en-US" dirty="0"/>
+              <a:t>…</a:t>
+            </a:r>
+            <a:endParaRPr lang="en-CN" dirty="0"/>
+          </a:p>
+        </p:txBody>
+      </p:sp>
+      <p:sp>
+        <p:nvSpPr>
+          <p:cNvPr id="43" name="TextBox 42">
+            <a:extLst>
+              <a:ext uri="{FF2B5EF4-FFF2-40B4-BE49-F238E27FC236}">
+                <a16:creationId xmlns:a16="http://schemas.microsoft.com/office/drawing/2014/main" id="{B0A46DE7-3A9B-1243-9C89-117C1E16230A}"/>
+              </a:ext>
+            </a:extLst>
+          </p:cNvPr>
+          <p:cNvSpPr txBox="1"/>
+          <p:nvPr/>
+        </p:nvSpPr>
+        <p:spPr>
+          <a:xfrm>
+            <a:off x="13497753" y="4039654"/>
+            <a:ext cx="3469550" cy="923330"/>
+          </a:xfrm>
+          <a:prstGeom prst="rect">
+            <a:avLst/>
+          </a:prstGeom>
+          <a:noFill/>
+          <a:ln>
+            <a:solidFill>
+              <a:schemeClr val="accent1">
+                <a:shade val="50000"/>
+              </a:schemeClr>
+            </a:solidFill>
+          </a:ln>
+        </p:spPr>
+        <p:txBody>
+          <a:bodyPr wrap="square" rtlCol="0">
+            <a:spAutoFit/>
+          </a:bodyPr>
+          <a:lstStyle/>
+          <a:p>
+            <a:pPr marL="285750" indent="-285750">
+              <a:buFont typeface="Wingdings" pitchFamily="2" charset="2"/>
+              <a:buChar char="ü"/>
+            </a:pPr>
+            <a:r>
+              <a:rPr lang="en-CN" dirty="0"/>
+              <a:t>Image encoder: </a:t>
+            </a:r>
+            <a:r>
+              <a:rPr lang="en-US" dirty="0"/>
+              <a:t>RN50, RN101, </a:t>
+            </a:r>
+            <a:r>
+              <a:rPr lang="en-US" dirty="0" err="1"/>
+              <a:t>ViT</a:t>
+            </a:r>
+            <a:r>
+              <a:rPr lang="en-US" dirty="0"/>
+              <a:t>-B/16, </a:t>
+            </a:r>
+            <a:r>
+              <a:rPr lang="en-US" dirty="0" err="1"/>
+              <a:t>ViT</a:t>
+            </a:r>
+            <a:r>
+              <a:rPr lang="en-US" dirty="0"/>
+              <a:t>-B/32…</a:t>
+            </a:r>
+          </a:p>
+          <a:p>
+            <a:pPr marL="285750" indent="-285750">
+              <a:buFont typeface="Wingdings" pitchFamily="2" charset="2"/>
+              <a:buChar char="ü"/>
+            </a:pPr>
+            <a:r>
+              <a:rPr lang="en-US" dirty="0"/>
+              <a:t>Text encoder: Transformer-63M</a:t>
+            </a:r>
+            <a:endParaRPr lang="en-CN" dirty="0"/>
+          </a:p>
+        </p:txBody>
+      </p:sp>
+      <p:sp>
+        <p:nvSpPr>
+          <p:cNvPr id="105" name="Rectangle 104">
+            <a:extLst>
+              <a:ext uri="{FF2B5EF4-FFF2-40B4-BE49-F238E27FC236}">
+                <a16:creationId xmlns:a16="http://schemas.microsoft.com/office/drawing/2014/main" id="{A5D03415-BA32-5240-AE34-F1A637E04AD0}"/>
+              </a:ext>
+            </a:extLst>
+          </p:cNvPr>
+          <p:cNvSpPr/>
+          <p:nvPr/>
+        </p:nvSpPr>
+        <p:spPr>
+          <a:xfrm>
+            <a:off x="13398892" y="6020914"/>
+            <a:ext cx="3671634" cy="4386742"/>
+          </a:xfrm>
+          <a:prstGeom prst="rect">
+            <a:avLst/>
+          </a:prstGeom>
+          <a:solidFill>
+            <a:schemeClr val="bg1"/>
+          </a:solidFill>
+          <a:ln w="19050">
+            <a:solidFill>
+              <a:schemeClr val="tx1"/>
+            </a:solidFill>
+          </a:ln>
+        </p:spPr>
+        <p:style>
+          <a:lnRef idx="2">
+            <a:schemeClr val="accent1">
+              <a:shade val="50000"/>
+            </a:schemeClr>
+          </a:lnRef>
+          <a:fillRef idx="1">
+            <a:schemeClr val="accent1"/>
+          </a:fillRef>
+          <a:effectRef idx="0">
+            <a:schemeClr val="accent1"/>
+          </a:effectRef>
+          <a:fontRef idx="minor">
+            <a:schemeClr val="lt1"/>
+          </a:fontRef>
+        </p:style>
+        <p:txBody>
+          <a:bodyPr rtlCol="0" anchor="ctr"/>
+          <a:lstStyle/>
+          <a:p>
+            <a:pPr algn="ctr"/>
+            <a:endParaRPr lang="en-CN" dirty="0"/>
+          </a:p>
+        </p:txBody>
+      </p:sp>
+      <p:sp>
+        <p:nvSpPr>
+          <p:cNvPr id="106" name="Rectangle 105">
+            <a:extLst>
+              <a:ext uri="{FF2B5EF4-FFF2-40B4-BE49-F238E27FC236}">
+                <a16:creationId xmlns:a16="http://schemas.microsoft.com/office/drawing/2014/main" id="{B2DF4F7B-5D9D-6A42-A301-773001FAB9EE}"/>
+              </a:ext>
+            </a:extLst>
+          </p:cNvPr>
+          <p:cNvSpPr/>
+          <p:nvPr/>
+        </p:nvSpPr>
+        <p:spPr>
+          <a:xfrm>
+            <a:off x="13398891" y="5578953"/>
+            <a:ext cx="3671634" cy="441960"/>
+          </a:xfrm>
+          <a:prstGeom prst="rect">
+            <a:avLst/>
+          </a:prstGeom>
+          <a:solidFill>
+            <a:schemeClr val="bg1">
+              <a:lumMod val="75000"/>
+            </a:schemeClr>
+          </a:solidFill>
+        </p:spPr>
+        <p:style>
+          <a:lnRef idx="2">
+            <a:schemeClr val="accent1">
+              <a:shade val="50000"/>
+            </a:schemeClr>
+          </a:lnRef>
+          <a:fillRef idx="1">
+            <a:schemeClr val="accent1"/>
+          </a:fillRef>
+          <a:effectRef idx="0">
+            <a:schemeClr val="accent1"/>
+          </a:effectRef>
+          <a:fontRef idx="minor">
+            <a:schemeClr val="lt1"/>
+          </a:fontRef>
+        </p:style>
+        <p:txBody>
+          <a:bodyPr rtlCol="0" anchor="ctr"/>
+          <a:lstStyle/>
+          <a:p>
+            <a:pPr algn="ctr"/>
+            <a:r>
+              <a:rPr lang="en-CN" sz="2000" dirty="0">
+                <a:solidFill>
+                  <a:schemeClr val="tx1"/>
+                </a:solidFill>
+              </a:rPr>
+              <a:t>Predefined Datasets</a:t>
+            </a:r>
+          </a:p>
+        </p:txBody>
+      </p:sp>
+      <p:sp>
+        <p:nvSpPr>
+          <p:cNvPr id="107" name="TextBox 106">
+            <a:extLst>
+              <a:ext uri="{FF2B5EF4-FFF2-40B4-BE49-F238E27FC236}">
+                <a16:creationId xmlns:a16="http://schemas.microsoft.com/office/drawing/2014/main" id="{BAE25F24-F5C4-4C4B-B2DF-8948E6D94563}"/>
+              </a:ext>
+            </a:extLst>
+          </p:cNvPr>
+          <p:cNvSpPr txBox="1"/>
+          <p:nvPr/>
+        </p:nvSpPr>
+        <p:spPr>
+          <a:xfrm>
+            <a:off x="13535445" y="7968791"/>
+            <a:ext cx="3469550" cy="923330"/>
+          </a:xfrm>
+          <a:prstGeom prst="rect">
+            <a:avLst/>
+          </a:prstGeom>
+          <a:noFill/>
+        </p:spPr>
+        <p:txBody>
+          <a:bodyPr wrap="square" rtlCol="0">
+            <a:spAutoFit/>
+          </a:bodyPr>
+          <a:lstStyle/>
+          <a:p>
+            <a:pPr marL="285750" indent="-285750">
+              <a:buFont typeface="Wingdings" pitchFamily="2" charset="2"/>
+              <a:buChar char="ü"/>
+            </a:pPr>
+            <a:r>
+              <a:rPr lang="en-US" dirty="0"/>
+              <a:t>Food-101</a:t>
+            </a:r>
+          </a:p>
+          <a:p>
+            <a:pPr marL="285750" indent="-285750">
+              <a:buFont typeface="Wingdings" pitchFamily="2" charset="2"/>
+              <a:buChar char="ü"/>
+            </a:pPr>
+            <a:r>
+              <a:rPr lang="en-US" dirty="0"/>
+              <a:t>FGVC Aircraft</a:t>
+            </a:r>
+          </a:p>
+          <a:p>
+            <a:pPr algn="ctr"/>
+            <a:r>
+              <a:rPr lang="en-US" dirty="0"/>
+              <a:t>…</a:t>
+            </a:r>
+          </a:p>
+        </p:txBody>
+      </p:sp>
+      <p:sp>
+        <p:nvSpPr>
+          <p:cNvPr id="46" name="Rounded Rectangle 45">
+            <a:extLst>
+              <a:ext uri="{FF2B5EF4-FFF2-40B4-BE49-F238E27FC236}">
+                <a16:creationId xmlns:a16="http://schemas.microsoft.com/office/drawing/2014/main" id="{CAAF9580-80D7-A344-84FA-9EB18D5D5EF1}"/>
+              </a:ext>
+            </a:extLst>
+          </p:cNvPr>
+          <p:cNvSpPr/>
+          <p:nvPr/>
+        </p:nvSpPr>
+        <p:spPr>
+          <a:xfrm>
+            <a:off x="14749205" y="3637998"/>
+            <a:ext cx="860266" cy="340925"/>
+          </a:xfrm>
+          <a:prstGeom prst="roundRect">
+            <a:avLst/>
+          </a:prstGeom>
+          <a:solidFill>
+            <a:schemeClr val="bg1">
+              <a:lumMod val="85000"/>
+            </a:schemeClr>
+          </a:solidFill>
+        </p:spPr>
+        <p:style>
+          <a:lnRef idx="2">
+            <a:schemeClr val="accent1">
+              <a:shade val="50000"/>
+            </a:schemeClr>
+          </a:lnRef>
+          <a:fillRef idx="1">
+            <a:schemeClr val="accent1"/>
+          </a:fillRef>
+          <a:effectRef idx="0">
+            <a:schemeClr val="accent1"/>
+          </a:effectRef>
+          <a:fontRef idx="minor">
+            <a:schemeClr val="lt1"/>
+          </a:fontRef>
+        </p:style>
+        <p:txBody>
+          <a:bodyPr rtlCol="0" anchor="ctr"/>
+          <a:lstStyle/>
+          <a:p>
+            <a:pPr algn="ctr"/>
+            <a:r>
+              <a:rPr lang="en-CN" dirty="0">
+                <a:solidFill>
+                  <a:schemeClr val="tx1"/>
+                </a:solidFill>
+              </a:rPr>
+              <a:t>CLIP</a:t>
+            </a:r>
+          </a:p>
+        </p:txBody>
+      </p:sp>
+      <p:sp>
+        <p:nvSpPr>
+          <p:cNvPr id="114" name="Rounded Rectangle 113">
+            <a:extLst>
+              <a:ext uri="{FF2B5EF4-FFF2-40B4-BE49-F238E27FC236}">
+                <a16:creationId xmlns:a16="http://schemas.microsoft.com/office/drawing/2014/main" id="{AF95557E-AA48-1D4C-9681-DAEF7F735D35}"/>
+              </a:ext>
+            </a:extLst>
+          </p:cNvPr>
+          <p:cNvSpPr/>
+          <p:nvPr/>
+        </p:nvSpPr>
+        <p:spPr>
+          <a:xfrm>
+            <a:off x="13827870" y="6153890"/>
+            <a:ext cx="2851933" cy="375944"/>
+          </a:xfrm>
+          <a:prstGeom prst="roundRect">
+            <a:avLst/>
+          </a:prstGeom>
+          <a:solidFill>
+            <a:schemeClr val="bg1">
+              <a:lumMod val="85000"/>
+            </a:schemeClr>
+          </a:solidFill>
+        </p:spPr>
+        <p:style>
+          <a:lnRef idx="2">
+            <a:schemeClr val="accent1">
+              <a:shade val="50000"/>
+            </a:schemeClr>
+          </a:lnRef>
+          <a:fillRef idx="1">
+            <a:schemeClr val="accent1"/>
+          </a:fillRef>
+          <a:effectRef idx="0">
+            <a:schemeClr val="accent1"/>
+          </a:effectRef>
+          <a:fontRef idx="minor">
+            <a:schemeClr val="lt1"/>
+          </a:fontRef>
+        </p:style>
+        <p:txBody>
+          <a:bodyPr rtlCol="0" anchor="ctr"/>
+          <a:lstStyle/>
+          <a:p>
+            <a:pPr algn="ctr"/>
+            <a:r>
+              <a:rPr lang="en-CN" dirty="0">
+                <a:solidFill>
+                  <a:schemeClr val="tx1"/>
+                </a:solidFill>
+              </a:rPr>
+              <a:t>Generic Image Recognition</a:t>
+            </a:r>
+          </a:p>
+        </p:txBody>
+      </p:sp>
+      <p:sp>
+        <p:nvSpPr>
+          <p:cNvPr id="116" name="TextBox 115">
+            <a:extLst>
+              <a:ext uri="{FF2B5EF4-FFF2-40B4-BE49-F238E27FC236}">
+                <a16:creationId xmlns:a16="http://schemas.microsoft.com/office/drawing/2014/main" id="{7326DE31-0792-2B40-BBE6-DE866C48E1A9}"/>
+              </a:ext>
+            </a:extLst>
+          </p:cNvPr>
+          <p:cNvSpPr txBox="1"/>
+          <p:nvPr/>
+        </p:nvSpPr>
+        <p:spPr>
+          <a:xfrm>
+            <a:off x="13545040" y="6606812"/>
+            <a:ext cx="3469550" cy="1200329"/>
+          </a:xfrm>
+          <a:prstGeom prst="rect">
+            <a:avLst/>
+          </a:prstGeom>
+          <a:noFill/>
+        </p:spPr>
+        <p:txBody>
+          <a:bodyPr wrap="square" rtlCol="0">
+            <a:spAutoFit/>
+          </a:bodyPr>
+          <a:lstStyle/>
+          <a:p>
+            <a:pPr marL="285750" indent="-285750">
+              <a:buFont typeface="Wingdings" pitchFamily="2" charset="2"/>
+              <a:buChar char="ü"/>
+            </a:pPr>
+            <a:r>
+              <a:rPr lang="en-US" dirty="0"/>
+              <a:t>Caltech101</a:t>
+            </a:r>
+          </a:p>
+          <a:p>
+            <a:pPr marL="285750" indent="-285750">
+              <a:buFont typeface="Wingdings" pitchFamily="2" charset="2"/>
+              <a:buChar char="ü"/>
+            </a:pPr>
+            <a:r>
+              <a:rPr lang="en-US" dirty="0"/>
+              <a:t>ImageNet</a:t>
+            </a:r>
+          </a:p>
+          <a:p>
+            <a:pPr algn="ctr"/>
+            <a:r>
+              <a:rPr lang="en-US" dirty="0"/>
+              <a:t>…</a:t>
+            </a:r>
+          </a:p>
+          <a:p>
+            <a:pPr marL="285750" indent="-285750">
+              <a:buFont typeface="Wingdings" pitchFamily="2" charset="2"/>
+              <a:buChar char="q"/>
+            </a:pPr>
+            <a:endParaRPr lang="en-US" dirty="0"/>
+          </a:p>
+        </p:txBody>
+      </p:sp>
+      <p:sp>
+        <p:nvSpPr>
+          <p:cNvPr id="117" name="Rounded Rectangle 116">
+            <a:extLst>
+              <a:ext uri="{FF2B5EF4-FFF2-40B4-BE49-F238E27FC236}">
+                <a16:creationId xmlns:a16="http://schemas.microsoft.com/office/drawing/2014/main" id="{1F031A39-F19B-7C4B-9C0A-E5B841361DB2}"/>
+              </a:ext>
+            </a:extLst>
+          </p:cNvPr>
+          <p:cNvSpPr/>
+          <p:nvPr/>
+        </p:nvSpPr>
+        <p:spPr>
+          <a:xfrm>
+            <a:off x="13572520" y="7530658"/>
+            <a:ext cx="3332883" cy="375944"/>
+          </a:xfrm>
+          <a:prstGeom prst="roundRect">
+            <a:avLst/>
+          </a:prstGeom>
+          <a:solidFill>
+            <a:schemeClr val="bg1">
+              <a:lumMod val="85000"/>
+            </a:schemeClr>
+          </a:solidFill>
+        </p:spPr>
+        <p:style>
+          <a:lnRef idx="2">
+            <a:schemeClr val="accent1">
+              <a:shade val="50000"/>
+            </a:schemeClr>
+          </a:lnRef>
+          <a:fillRef idx="1">
+            <a:schemeClr val="accent1"/>
+          </a:fillRef>
+          <a:effectRef idx="0">
+            <a:schemeClr val="accent1"/>
+          </a:effectRef>
+          <a:fontRef idx="minor">
+            <a:schemeClr val="lt1"/>
+          </a:fontRef>
+        </p:style>
+        <p:txBody>
+          <a:bodyPr rtlCol="0" anchor="ctr"/>
+          <a:lstStyle/>
+          <a:p>
+            <a:pPr algn="ctr"/>
+            <a:r>
+              <a:rPr lang="en-CN" dirty="0">
+                <a:solidFill>
+                  <a:schemeClr val="tx1"/>
+                </a:solidFill>
+              </a:rPr>
+              <a:t>Fine-grained Image Recognition</a:t>
+            </a:r>
+          </a:p>
+        </p:txBody>
+      </p:sp>
+      <p:sp>
+        <p:nvSpPr>
+          <p:cNvPr id="118" name="Rounded Rectangle 117">
+            <a:extLst>
+              <a:ext uri="{FF2B5EF4-FFF2-40B4-BE49-F238E27FC236}">
+                <a16:creationId xmlns:a16="http://schemas.microsoft.com/office/drawing/2014/main" id="{0FAE6651-67F3-7648-AF56-6B0FEE48AE9C}"/>
+              </a:ext>
+            </a:extLst>
+          </p:cNvPr>
+          <p:cNvSpPr/>
+          <p:nvPr/>
+        </p:nvSpPr>
+        <p:spPr>
+          <a:xfrm>
+            <a:off x="13568378" y="8906899"/>
+            <a:ext cx="3332883" cy="375944"/>
+          </a:xfrm>
+          <a:prstGeom prst="roundRect">
+            <a:avLst/>
+          </a:prstGeom>
+          <a:solidFill>
+            <a:schemeClr val="bg1">
+              <a:lumMod val="85000"/>
+            </a:schemeClr>
+          </a:solidFill>
+        </p:spPr>
+        <p:style>
+          <a:lnRef idx="2">
+            <a:schemeClr val="accent1">
+              <a:shade val="50000"/>
+            </a:schemeClr>
+          </a:lnRef>
+          <a:fillRef idx="1">
+            <a:schemeClr val="accent1"/>
+          </a:fillRef>
+          <a:effectRef idx="0">
+            <a:schemeClr val="accent1"/>
+          </a:effectRef>
+          <a:fontRef idx="minor">
+            <a:schemeClr val="lt1"/>
+          </a:fontRef>
+        </p:style>
+        <p:txBody>
+          <a:bodyPr rtlCol="0" anchor="ctr"/>
+          <a:lstStyle/>
+          <a:p>
+            <a:pPr algn="ctr"/>
+            <a:r>
+              <a:rPr lang="en-CN" dirty="0">
+                <a:solidFill>
+                  <a:schemeClr val="tx1"/>
+                </a:solidFill>
+              </a:rPr>
+              <a:t>Cross Domain Generalization</a:t>
+            </a:r>
+          </a:p>
+        </p:txBody>
+      </p:sp>
+      <p:sp>
+        <p:nvSpPr>
+          <p:cNvPr id="119" name="TextBox 118">
+            <a:extLst>
+              <a:ext uri="{FF2B5EF4-FFF2-40B4-BE49-F238E27FC236}">
+                <a16:creationId xmlns:a16="http://schemas.microsoft.com/office/drawing/2014/main" id="{03826178-0F46-1D43-916A-48E69A8ACDB6}"/>
+              </a:ext>
+            </a:extLst>
+          </p:cNvPr>
+          <p:cNvSpPr txBox="1"/>
+          <p:nvPr/>
+        </p:nvSpPr>
+        <p:spPr>
+          <a:xfrm>
+            <a:off x="13545040" y="9424877"/>
+            <a:ext cx="3469550" cy="923330"/>
+          </a:xfrm>
+          <a:prstGeom prst="rect">
+            <a:avLst/>
+          </a:prstGeom>
+          <a:noFill/>
+        </p:spPr>
+        <p:txBody>
+          <a:bodyPr wrap="square" rtlCol="0">
+            <a:spAutoFit/>
+          </a:bodyPr>
+          <a:lstStyle/>
+          <a:p>
+            <a:pPr marL="285750" indent="-285750">
+              <a:buFont typeface="Wingdings" pitchFamily="2" charset="2"/>
+              <a:buChar char="ü"/>
+            </a:pPr>
+            <a:r>
+              <a:rPr lang="en-US" dirty="0" err="1"/>
+              <a:t>DomainNet</a:t>
+            </a:r>
+            <a:endParaRPr lang="en-US" dirty="0"/>
+          </a:p>
+          <a:p>
+            <a:pPr marL="285750" indent="-285750">
+              <a:buFont typeface="Wingdings" pitchFamily="2" charset="2"/>
+              <a:buChar char="ü"/>
+            </a:pPr>
+            <a:r>
+              <a:rPr lang="en-US" dirty="0"/>
+              <a:t>ImageNet-A(</a:t>
+            </a:r>
+            <a:r>
+              <a:rPr lang="en-US" dirty="0" err="1"/>
+              <a:t>dvarsarial</a:t>
+            </a:r>
+            <a:r>
+              <a:rPr lang="en-US" dirty="0"/>
+              <a:t>)</a:t>
+            </a:r>
+          </a:p>
+          <a:p>
+            <a:pPr algn="ctr"/>
+            <a:r>
+              <a:rPr lang="en-US" dirty="0"/>
+              <a:t>…</a:t>
+            </a:r>
+          </a:p>
+        </p:txBody>
+      </p:sp>
+      <p:pic>
+        <p:nvPicPr>
+          <p:cNvPr id="48" name="Picture 47">
+            <a:extLst>
+              <a:ext uri="{FF2B5EF4-FFF2-40B4-BE49-F238E27FC236}">
+                <a16:creationId xmlns:a16="http://schemas.microsoft.com/office/drawing/2014/main" id="{EE828419-5EAE-4D41-95CB-4A591CD6ED42}"/>
+              </a:ext>
+            </a:extLst>
+          </p:cNvPr>
+          <p:cNvPicPr>
+            <a:picLocks noChangeAspect="1"/>
+          </p:cNvPicPr>
+          <p:nvPr/>
+        </p:nvPicPr>
+        <p:blipFill>
+          <a:blip r:embed="rId9"/>
+          <a:stretch>
+            <a:fillRect/>
+          </a:stretch>
+        </p:blipFill>
+        <p:spPr>
+          <a:xfrm>
+            <a:off x="9083076" y="1778938"/>
+            <a:ext cx="2409632" cy="718318"/>
+          </a:xfrm>
+          <a:prstGeom prst="rect">
+            <a:avLst/>
+          </a:prstGeom>
+        </p:spPr>
+      </p:pic>
+      <p:sp>
+        <p:nvSpPr>
+          <p:cNvPr id="129" name="Rectangle 128">
+            <a:extLst>
+              <a:ext uri="{FF2B5EF4-FFF2-40B4-BE49-F238E27FC236}">
+                <a16:creationId xmlns:a16="http://schemas.microsoft.com/office/drawing/2014/main" id="{71A2599E-9B3C-8B45-B78B-7CC6E816C912}"/>
+              </a:ext>
+            </a:extLst>
+          </p:cNvPr>
+          <p:cNvSpPr/>
+          <p:nvPr/>
+        </p:nvSpPr>
+        <p:spPr>
+          <a:xfrm>
+            <a:off x="266772" y="6283895"/>
+            <a:ext cx="3060000" cy="2800767"/>
+          </a:xfrm>
+          <a:prstGeom prst="rect">
+            <a:avLst/>
+          </a:prstGeom>
+          <a:solidFill>
+            <a:schemeClr val="bg1"/>
+          </a:solidFill>
+          <a:ln w="19050">
+            <a:solidFill>
+              <a:schemeClr val="tx1"/>
+            </a:solidFill>
+          </a:ln>
+        </p:spPr>
+        <p:style>
+          <a:lnRef idx="2">
+            <a:schemeClr val="accent1">
+              <a:shade val="50000"/>
+            </a:schemeClr>
+          </a:lnRef>
+          <a:fillRef idx="1">
+            <a:schemeClr val="accent1"/>
+          </a:fillRef>
+          <a:effectRef idx="0">
+            <a:schemeClr val="accent1"/>
+          </a:effectRef>
+          <a:fontRef idx="minor">
+            <a:schemeClr val="lt1"/>
+          </a:fontRef>
+        </p:style>
+        <p:txBody>
+          <a:bodyPr rtlCol="0" anchor="ctr"/>
+          <a:lstStyle/>
+          <a:p>
+            <a:pPr algn="ctr"/>
+            <a:endParaRPr lang="en-CN" dirty="0"/>
+          </a:p>
+        </p:txBody>
+      </p:sp>
+      <p:sp>
+        <p:nvSpPr>
+          <p:cNvPr id="130" name="TextBox 129">
+            <a:extLst>
+              <a:ext uri="{FF2B5EF4-FFF2-40B4-BE49-F238E27FC236}">
+                <a16:creationId xmlns:a16="http://schemas.microsoft.com/office/drawing/2014/main" id="{01D49DD4-0CAB-DE47-AB8B-883DAEA7A187}"/>
+              </a:ext>
+            </a:extLst>
+          </p:cNvPr>
+          <p:cNvSpPr txBox="1"/>
+          <p:nvPr/>
+        </p:nvSpPr>
+        <p:spPr>
+          <a:xfrm>
+            <a:off x="310114" y="6405130"/>
+            <a:ext cx="3154291" cy="2800767"/>
+          </a:xfrm>
+          <a:prstGeom prst="rect">
+            <a:avLst/>
+          </a:prstGeom>
+          <a:noFill/>
+        </p:spPr>
+        <p:txBody>
+          <a:bodyPr wrap="square" rtlCol="0">
+            <a:spAutoFit/>
+          </a:bodyPr>
+          <a:lstStyle/>
+          <a:p>
+            <a:pPr marL="285750" indent="-285750">
+              <a:buFont typeface="Wingdings" pitchFamily="2" charset="2"/>
+              <a:buChar char="ü"/>
+            </a:pPr>
+            <a:r>
+              <a:rPr lang="en-US" altLang="zh-CN" sz="2000" dirty="0" err="1"/>
+              <a:t>CoOp</a:t>
+            </a:r>
+            <a:endParaRPr lang="en-US" altLang="zh-CN" sz="2000" dirty="0"/>
+          </a:p>
+          <a:p>
+            <a:pPr marL="285750" indent="-285750">
+              <a:buFont typeface="Wingdings" pitchFamily="2" charset="2"/>
+              <a:buChar char="ü"/>
+            </a:pPr>
+            <a:r>
+              <a:rPr lang="en-US" altLang="zh-CN" sz="2000" dirty="0" err="1"/>
+              <a:t>CoCoOp</a:t>
+            </a:r>
+            <a:endParaRPr lang="en-US" altLang="zh-CN" sz="2000" dirty="0"/>
+          </a:p>
+          <a:p>
+            <a:pPr marL="285750" indent="-285750">
+              <a:buFont typeface="Wingdings" pitchFamily="2" charset="2"/>
+              <a:buChar char="ü"/>
+            </a:pPr>
+            <a:r>
+              <a:rPr lang="en-US" sz="2000" dirty="0" err="1"/>
+              <a:t>ProDA</a:t>
+            </a:r>
+            <a:endParaRPr lang="en-US" sz="2000" dirty="0"/>
+          </a:p>
+          <a:p>
+            <a:pPr marL="285750" indent="-285750">
+              <a:buFont typeface="Wingdings" pitchFamily="2" charset="2"/>
+              <a:buChar char="ü"/>
+            </a:pPr>
+            <a:r>
+              <a:rPr lang="en-US" sz="2000" dirty="0" err="1"/>
+              <a:t>ProGrad</a:t>
+            </a:r>
+            <a:endParaRPr lang="en-US" sz="2000" dirty="0"/>
+          </a:p>
+          <a:p>
+            <a:pPr marL="285750" indent="-285750">
+              <a:buFont typeface="Wingdings" pitchFamily="2" charset="2"/>
+              <a:buChar char="ü"/>
+            </a:pPr>
+            <a:r>
+              <a:rPr lang="en-US" sz="2000" dirty="0"/>
+              <a:t>PLOT</a:t>
+            </a:r>
+          </a:p>
+          <a:p>
+            <a:pPr marL="285750" indent="-285750">
+              <a:buFont typeface="Wingdings" pitchFamily="2" charset="2"/>
+              <a:buChar char="ü"/>
+            </a:pPr>
+            <a:r>
+              <a:rPr lang="en-US" sz="2000" dirty="0"/>
+              <a:t>SRC</a:t>
+            </a:r>
+          </a:p>
+          <a:p>
+            <a:pPr marL="285750" indent="-285750">
+              <a:buFont typeface="Wingdings" pitchFamily="2" charset="2"/>
+              <a:buChar char="ü"/>
+            </a:pPr>
+            <a:r>
+              <a:rPr lang="en-US" sz="2000" dirty="0" err="1"/>
+              <a:t>KgCoOp</a:t>
+            </a:r>
+            <a:endParaRPr lang="en-US" sz="2000" dirty="0"/>
+          </a:p>
+          <a:p>
+            <a:pPr algn="ctr"/>
+            <a:r>
+              <a:rPr lang="en-US" dirty="0"/>
+              <a:t>…</a:t>
+            </a:r>
+          </a:p>
+          <a:p>
+            <a:pPr marL="285750" indent="-285750">
+              <a:buFont typeface="Wingdings" pitchFamily="2" charset="2"/>
+              <a:buChar char="q"/>
+            </a:pPr>
+            <a:endParaRPr lang="en-US" dirty="0"/>
+          </a:p>
+        </p:txBody>
+      </p:sp>
+      <p:sp>
+        <p:nvSpPr>
+          <p:cNvPr id="131" name="Rectangle 130">
+            <a:extLst>
+              <a:ext uri="{FF2B5EF4-FFF2-40B4-BE49-F238E27FC236}">
+                <a16:creationId xmlns:a16="http://schemas.microsoft.com/office/drawing/2014/main" id="{9FCC42D8-02A7-024D-9478-D37A0E371C92}"/>
+              </a:ext>
+            </a:extLst>
+          </p:cNvPr>
+          <p:cNvSpPr/>
+          <p:nvPr/>
+        </p:nvSpPr>
+        <p:spPr>
+          <a:xfrm>
+            <a:off x="263768" y="1179169"/>
+            <a:ext cx="3060994" cy="1450519"/>
+          </a:xfrm>
+          <a:prstGeom prst="rect">
+            <a:avLst/>
+          </a:prstGeom>
+          <a:solidFill>
+            <a:schemeClr val="bg1"/>
+          </a:solidFill>
+          <a:ln w="19050">
+            <a:solidFill>
+              <a:schemeClr val="tx1"/>
+            </a:solidFill>
+          </a:ln>
+        </p:spPr>
+        <p:style>
+          <a:lnRef idx="2">
+            <a:schemeClr val="accent1">
+              <a:shade val="50000"/>
+            </a:schemeClr>
+          </a:lnRef>
+          <a:fillRef idx="1">
+            <a:schemeClr val="accent1"/>
+          </a:fillRef>
+          <a:effectRef idx="0">
+            <a:schemeClr val="accent1"/>
+          </a:effectRef>
+          <a:fontRef idx="minor">
+            <a:schemeClr val="lt1"/>
+          </a:fontRef>
+        </p:style>
+        <p:txBody>
+          <a:bodyPr rtlCol="0" anchor="ctr"/>
+          <a:lstStyle/>
+          <a:p>
+            <a:pPr algn="ctr"/>
+            <a:endParaRPr lang="en-CN" dirty="0"/>
+          </a:p>
+        </p:txBody>
+      </p:sp>
+      <p:sp>
+        <p:nvSpPr>
+          <p:cNvPr id="132" name="TextBox 131">
+            <a:extLst>
+              <a:ext uri="{FF2B5EF4-FFF2-40B4-BE49-F238E27FC236}">
+                <a16:creationId xmlns:a16="http://schemas.microsoft.com/office/drawing/2014/main" id="{6CE29327-4E43-454C-AA19-949EAC9F8AF4}"/>
+              </a:ext>
+            </a:extLst>
+          </p:cNvPr>
+          <p:cNvSpPr txBox="1"/>
+          <p:nvPr/>
+        </p:nvSpPr>
+        <p:spPr>
+          <a:xfrm>
+            <a:off x="322472" y="1337024"/>
+            <a:ext cx="3002293" cy="1292662"/>
+          </a:xfrm>
+          <a:prstGeom prst="rect">
+            <a:avLst/>
+          </a:prstGeom>
+          <a:noFill/>
+        </p:spPr>
+        <p:txBody>
+          <a:bodyPr wrap="square" rtlCol="0">
+            <a:spAutoFit/>
+          </a:bodyPr>
+          <a:lstStyle/>
+          <a:p>
+            <a:pPr marL="285750" indent="-285750">
+              <a:buFont typeface="Wingdings" pitchFamily="2" charset="2"/>
+              <a:buChar char="ü"/>
+            </a:pPr>
+            <a:r>
+              <a:rPr lang="en-US" altLang="zh-CN" sz="2000" dirty="0" err="1"/>
+              <a:t>FedAvg</a:t>
+            </a:r>
+            <a:endParaRPr lang="en-US" altLang="zh-CN" sz="2000" dirty="0"/>
+          </a:p>
+          <a:p>
+            <a:pPr marL="285750" indent="-285750">
+              <a:buFont typeface="Wingdings" pitchFamily="2" charset="2"/>
+              <a:buChar char="ü"/>
+            </a:pPr>
+            <a:r>
+              <a:rPr lang="en-US" altLang="zh-CN" sz="2000" dirty="0" err="1"/>
+              <a:t>FedProx</a:t>
+            </a:r>
+            <a:endParaRPr lang="en-US" altLang="zh-CN" sz="2000" dirty="0"/>
+          </a:p>
+          <a:p>
+            <a:pPr marL="285750" indent="-285750">
+              <a:buFont typeface="Wingdings" pitchFamily="2" charset="2"/>
+              <a:buChar char="ü"/>
+            </a:pPr>
+            <a:r>
+              <a:rPr lang="en-US" sz="2000" dirty="0" err="1"/>
+              <a:t>FedOTP</a:t>
+            </a:r>
+            <a:endParaRPr lang="en-US" sz="2000" dirty="0"/>
+          </a:p>
+          <a:p>
+            <a:pPr algn="ctr"/>
+            <a:r>
+              <a:rPr lang="en-US" dirty="0"/>
+              <a:t>…</a:t>
+            </a:r>
+          </a:p>
+        </p:txBody>
+      </p:sp>
+      <p:cxnSp>
+        <p:nvCxnSpPr>
+          <p:cNvPr id="56" name="Elbow Connector 55">
+            <a:extLst>
+              <a:ext uri="{FF2B5EF4-FFF2-40B4-BE49-F238E27FC236}">
+                <a16:creationId xmlns:a16="http://schemas.microsoft.com/office/drawing/2014/main" id="{90074933-892A-0C46-969F-793B63E00F7E}"/>
+              </a:ext>
+            </a:extLst>
+          </p:cNvPr>
+          <p:cNvCxnSpPr>
+            <a:cxnSpLocks/>
+            <a:stCxn id="99" idx="0"/>
+            <a:endCxn id="126" idx="0"/>
+          </p:cNvCxnSpPr>
+          <p:nvPr/>
+        </p:nvCxnSpPr>
+        <p:spPr>
+          <a:xfrm rot="16200000" flipH="1">
+            <a:off x="4933932" y="-2418897"/>
+            <a:ext cx="353934" cy="6636665"/>
+          </a:xfrm>
+          <a:prstGeom prst="bentConnector3">
+            <a:avLst>
+              <a:gd name="adj1" fmla="val -98286"/>
+            </a:avLst>
+          </a:prstGeom>
+          <a:ln w="19050">
+            <a:solidFill>
+              <a:schemeClr val="tx1"/>
+            </a:solidFill>
+            <a:headEnd type="oval" w="lg" len="lg"/>
+            <a:tailEnd type="oval" w="lg" len="lg"/>
+          </a:ln>
+        </p:spPr>
+        <p:style>
+          <a:lnRef idx="1">
+            <a:schemeClr val="accent1"/>
+          </a:lnRef>
+          <a:fillRef idx="0">
+            <a:schemeClr val="accent1"/>
+          </a:fillRef>
+          <a:effectRef idx="0">
+            <a:schemeClr val="accent1"/>
+          </a:effectRef>
+          <a:fontRef idx="minor">
+            <a:schemeClr val="tx1"/>
+          </a:fontRef>
+        </p:style>
+      </p:cxnSp>
+      <p:cxnSp>
+        <p:nvCxnSpPr>
+          <p:cNvPr id="135" name="Elbow Connector 134">
+            <a:extLst>
+              <a:ext uri="{FF2B5EF4-FFF2-40B4-BE49-F238E27FC236}">
+                <a16:creationId xmlns:a16="http://schemas.microsoft.com/office/drawing/2014/main" id="{1A2697C6-EA94-8F46-9658-12FEFFEF7339}"/>
+              </a:ext>
+            </a:extLst>
+          </p:cNvPr>
+          <p:cNvCxnSpPr>
+            <a:cxnSpLocks/>
+            <a:stCxn id="100" idx="0"/>
+            <a:endCxn id="142" idx="2"/>
+          </p:cNvCxnSpPr>
+          <p:nvPr/>
+        </p:nvCxnSpPr>
+        <p:spPr>
+          <a:xfrm rot="5400000" flipH="1" flipV="1">
+            <a:off x="3370528" y="4242761"/>
+            <a:ext cx="14836" cy="3154037"/>
+          </a:xfrm>
+          <a:prstGeom prst="bentConnector3">
+            <a:avLst>
+              <a:gd name="adj1" fmla="val 2243280"/>
+            </a:avLst>
+          </a:prstGeom>
+          <a:ln w="19050">
+            <a:solidFill>
+              <a:schemeClr val="tx1"/>
+            </a:solidFill>
+            <a:headEnd type="oval" w="lg" len="lg"/>
+            <a:tailEnd type="oval" w="lg" len="lg"/>
+          </a:ln>
+        </p:spPr>
+        <p:style>
+          <a:lnRef idx="1">
+            <a:schemeClr val="accent1"/>
+          </a:lnRef>
+          <a:fillRef idx="0">
+            <a:schemeClr val="accent1"/>
+          </a:fillRef>
+          <a:effectRef idx="0">
+            <a:schemeClr val="accent1"/>
+          </a:effectRef>
+          <a:fontRef idx="minor">
+            <a:schemeClr val="tx1"/>
+          </a:fontRef>
+        </p:style>
+      </p:cxnSp>
+      <p:sp>
+        <p:nvSpPr>
+          <p:cNvPr id="142" name="Rectangle 141">
+            <a:extLst>
+              <a:ext uri="{FF2B5EF4-FFF2-40B4-BE49-F238E27FC236}">
+                <a16:creationId xmlns:a16="http://schemas.microsoft.com/office/drawing/2014/main" id="{0CEB7DC4-965E-7A48-9B86-FDABAF1DAA5B}"/>
+              </a:ext>
+            </a:extLst>
+          </p:cNvPr>
+          <p:cNvSpPr/>
+          <p:nvPr/>
+        </p:nvSpPr>
+        <p:spPr>
+          <a:xfrm flipV="1">
+            <a:off x="4827369" y="5812358"/>
+            <a:ext cx="255197" cy="241650"/>
+          </a:xfrm>
+          <a:prstGeom prst="rect">
+            <a:avLst/>
+          </a:prstGeom>
+          <a:noFill/>
+          <a:ln>
+            <a:noFill/>
+          </a:ln>
+        </p:spPr>
+        <p:style>
+          <a:lnRef idx="2">
+            <a:schemeClr val="accent1">
+              <a:shade val="50000"/>
+            </a:schemeClr>
+          </a:lnRef>
+          <a:fillRef idx="1">
+            <a:schemeClr val="accent1"/>
+          </a:fillRef>
+          <a:effectRef idx="0">
+            <a:schemeClr val="accent1"/>
+          </a:effectRef>
+          <a:fontRef idx="minor">
+            <a:schemeClr val="lt1"/>
+          </a:fontRef>
+        </p:style>
+        <p:txBody>
+          <a:bodyPr rtlCol="0" anchor="ctr"/>
+          <a:lstStyle/>
+          <a:p>
+            <a:pPr algn="ctr"/>
+            <a:endParaRPr lang="en-CN"/>
+          </a:p>
+        </p:txBody>
+      </p:sp>
+      <p:sp>
+        <p:nvSpPr>
+          <p:cNvPr id="144" name="TextBox 143">
+            <a:extLst>
+              <a:ext uri="{FF2B5EF4-FFF2-40B4-BE49-F238E27FC236}">
+                <a16:creationId xmlns:a16="http://schemas.microsoft.com/office/drawing/2014/main" id="{897F20CD-165C-A644-BC8E-C6083C4D6CD8}"/>
+              </a:ext>
+            </a:extLst>
+          </p:cNvPr>
+          <p:cNvSpPr txBox="1"/>
+          <p:nvPr/>
+        </p:nvSpPr>
+        <p:spPr>
+          <a:xfrm>
+            <a:off x="6100297" y="5588573"/>
+            <a:ext cx="184731" cy="369332"/>
+          </a:xfrm>
+          <a:prstGeom prst="rect">
+            <a:avLst/>
+          </a:prstGeom>
+          <a:noFill/>
+        </p:spPr>
+        <p:txBody>
+          <a:bodyPr wrap="none" rtlCol="0">
+            <a:spAutoFit/>
+          </a:bodyPr>
+          <a:lstStyle/>
+          <a:p>
+            <a:endParaRPr lang="en-CN" dirty="0"/>
+          </a:p>
+        </p:txBody>
+      </p:sp>
+      <p:cxnSp>
+        <p:nvCxnSpPr>
+          <p:cNvPr id="153" name="Elbow Connector 152">
+            <a:extLst>
+              <a:ext uri="{FF2B5EF4-FFF2-40B4-BE49-F238E27FC236}">
+                <a16:creationId xmlns:a16="http://schemas.microsoft.com/office/drawing/2014/main" id="{F643CFF6-D55D-8047-A74C-4967AB5A54B4}"/>
+              </a:ext>
+            </a:extLst>
+          </p:cNvPr>
+          <p:cNvCxnSpPr>
+            <a:cxnSpLocks/>
+            <a:stCxn id="157" idx="2"/>
+            <a:endCxn id="36" idx="0"/>
+          </p:cNvCxnSpPr>
+          <p:nvPr/>
+        </p:nvCxnSpPr>
+        <p:spPr>
+          <a:xfrm rot="5400000" flipH="1" flipV="1">
+            <a:off x="13444907" y="-679999"/>
+            <a:ext cx="483580" cy="3032369"/>
+          </a:xfrm>
+          <a:prstGeom prst="bentConnector3">
+            <a:avLst>
+              <a:gd name="adj1" fmla="val 147272"/>
+            </a:avLst>
+          </a:prstGeom>
+          <a:ln w="19050">
+            <a:solidFill>
+              <a:schemeClr val="tx1"/>
+            </a:solidFill>
+            <a:headEnd type="oval" w="lg" len="lg"/>
+            <a:tailEnd type="oval" w="lg" len="lg"/>
+          </a:ln>
+        </p:spPr>
+        <p:style>
+          <a:lnRef idx="1">
+            <a:schemeClr val="accent1"/>
+          </a:lnRef>
+          <a:fillRef idx="0">
+            <a:schemeClr val="accent1"/>
+          </a:fillRef>
+          <a:effectRef idx="0">
+            <a:schemeClr val="accent1"/>
+          </a:effectRef>
+          <a:fontRef idx="minor">
+            <a:schemeClr val="tx1"/>
+          </a:fontRef>
+        </p:style>
+      </p:cxnSp>
+      <p:sp>
+        <p:nvSpPr>
+          <p:cNvPr id="154" name="Rectangle 153">
+            <a:extLst>
+              <a:ext uri="{FF2B5EF4-FFF2-40B4-BE49-F238E27FC236}">
+                <a16:creationId xmlns:a16="http://schemas.microsoft.com/office/drawing/2014/main" id="{7ACA4334-E232-904C-A85D-B372ED96DEB4}"/>
+              </a:ext>
+            </a:extLst>
+          </p:cNvPr>
+          <p:cNvSpPr/>
+          <p:nvPr/>
+        </p:nvSpPr>
+        <p:spPr>
+          <a:xfrm>
+            <a:off x="6791939" y="6320117"/>
+            <a:ext cx="1614740" cy="2817777"/>
+          </a:xfrm>
+          <a:prstGeom prst="rect">
+            <a:avLst/>
+          </a:prstGeom>
+          <a:noFill/>
+          <a:ln w="15875">
+            <a:solidFill>
+              <a:schemeClr val="tx1"/>
+            </a:solidFill>
+            <a:prstDash val="dash"/>
+          </a:ln>
+        </p:spPr>
+        <p:style>
+          <a:lnRef idx="2">
+            <a:schemeClr val="accent1">
+              <a:shade val="50000"/>
+            </a:schemeClr>
+          </a:lnRef>
+          <a:fillRef idx="1">
+            <a:schemeClr val="accent1"/>
+          </a:fillRef>
+          <a:effectRef idx="0">
+            <a:schemeClr val="accent1"/>
+          </a:effectRef>
+          <a:fontRef idx="minor">
+            <a:schemeClr val="lt1"/>
+          </a:fontRef>
+        </p:style>
+        <p:txBody>
+          <a:bodyPr rtlCol="0" anchor="ctr"/>
+          <a:lstStyle/>
+          <a:p>
+            <a:pPr algn="ctr"/>
+            <a:endParaRPr lang="en-CN"/>
+          </a:p>
+        </p:txBody>
+      </p:sp>
+      <p:cxnSp>
+        <p:nvCxnSpPr>
+          <p:cNvPr id="167" name="Elbow Connector 166">
+            <a:extLst>
+              <a:ext uri="{FF2B5EF4-FFF2-40B4-BE49-F238E27FC236}">
+                <a16:creationId xmlns:a16="http://schemas.microsoft.com/office/drawing/2014/main" id="{C2887687-0293-0F4E-A476-4A988693EE90}"/>
+              </a:ext>
+            </a:extLst>
+          </p:cNvPr>
+          <p:cNvCxnSpPr>
+            <a:cxnSpLocks/>
+            <a:stCxn id="154" idx="0"/>
+            <a:endCxn id="83" idx="2"/>
+          </p:cNvCxnSpPr>
+          <p:nvPr/>
+        </p:nvCxnSpPr>
+        <p:spPr>
+          <a:xfrm rot="5400000" flipH="1" flipV="1">
+            <a:off x="10847984" y="1940836"/>
+            <a:ext cx="1130606" cy="7627957"/>
+          </a:xfrm>
+          <a:prstGeom prst="bentConnector3">
+            <a:avLst>
+              <a:gd name="adj1" fmla="val 82406"/>
+            </a:avLst>
+          </a:prstGeom>
+          <a:ln w="19050">
+            <a:solidFill>
+              <a:schemeClr val="tx1"/>
+            </a:solidFill>
+            <a:headEnd type="oval" w="lg" len="lg"/>
+            <a:tailEnd type="oval" w="lg" len="lg"/>
+          </a:ln>
+        </p:spPr>
+        <p:style>
+          <a:lnRef idx="1">
+            <a:schemeClr val="accent1"/>
+          </a:lnRef>
+          <a:fillRef idx="0">
+            <a:schemeClr val="accent1"/>
+          </a:fillRef>
+          <a:effectRef idx="0">
+            <a:schemeClr val="accent1"/>
+          </a:effectRef>
+          <a:fontRef idx="minor">
+            <a:schemeClr val="tx1"/>
+          </a:fontRef>
+        </p:style>
+      </p:cxnSp>
+      <p:sp>
+        <p:nvSpPr>
+          <p:cNvPr id="171" name="Rectangle 170">
+            <a:extLst>
+              <a:ext uri="{FF2B5EF4-FFF2-40B4-BE49-F238E27FC236}">
+                <a16:creationId xmlns:a16="http://schemas.microsoft.com/office/drawing/2014/main" id="{4D22C972-9127-4A45-89F7-052C6541910D}"/>
+              </a:ext>
+            </a:extLst>
+          </p:cNvPr>
+          <p:cNvSpPr/>
+          <p:nvPr/>
+        </p:nvSpPr>
+        <p:spPr>
+          <a:xfrm>
+            <a:off x="4995183" y="7750386"/>
+            <a:ext cx="1344068" cy="1315656"/>
+          </a:xfrm>
+          <a:prstGeom prst="rect">
+            <a:avLst/>
+          </a:prstGeom>
+          <a:noFill/>
+          <a:ln w="15875">
+            <a:solidFill>
+              <a:schemeClr val="tx1"/>
+            </a:solidFill>
+            <a:prstDash val="dash"/>
+          </a:ln>
+        </p:spPr>
+        <p:style>
+          <a:lnRef idx="2">
+            <a:schemeClr val="accent1">
+              <a:shade val="50000"/>
+            </a:schemeClr>
+          </a:lnRef>
+          <a:fillRef idx="1">
+            <a:schemeClr val="accent1"/>
+          </a:fillRef>
+          <a:effectRef idx="0">
+            <a:schemeClr val="accent1"/>
+          </a:effectRef>
+          <a:fontRef idx="minor">
+            <a:schemeClr val="lt1"/>
+          </a:fontRef>
+        </p:style>
+        <p:txBody>
+          <a:bodyPr rtlCol="0" anchor="ctr"/>
+          <a:lstStyle/>
+          <a:p>
+            <a:pPr algn="ctr"/>
+            <a:endParaRPr lang="en-CN"/>
+          </a:p>
+        </p:txBody>
+      </p:sp>
+      <p:cxnSp>
+        <p:nvCxnSpPr>
+          <p:cNvPr id="172" name="Elbow Connector 171">
+            <a:extLst>
+              <a:ext uri="{FF2B5EF4-FFF2-40B4-BE49-F238E27FC236}">
+                <a16:creationId xmlns:a16="http://schemas.microsoft.com/office/drawing/2014/main" id="{4A607ACE-D555-6845-B58E-35BBCE98BB4B}"/>
+              </a:ext>
+            </a:extLst>
+          </p:cNvPr>
+          <p:cNvCxnSpPr>
+            <a:cxnSpLocks/>
+            <a:stCxn id="171" idx="2"/>
+            <a:endCxn id="175" idx="1"/>
+          </p:cNvCxnSpPr>
+          <p:nvPr/>
+        </p:nvCxnSpPr>
+        <p:spPr>
+          <a:xfrm rot="16200000" flipH="1">
+            <a:off x="9216831" y="5516428"/>
+            <a:ext cx="613438" cy="7712666"/>
+          </a:xfrm>
+          <a:prstGeom prst="bentConnector2">
+            <a:avLst/>
+          </a:prstGeom>
+          <a:ln w="19050">
+            <a:solidFill>
+              <a:schemeClr val="tx1"/>
+            </a:solidFill>
+            <a:headEnd type="oval" w="lg" len="lg"/>
+            <a:tailEnd type="oval" w="lg" len="lg"/>
+          </a:ln>
+        </p:spPr>
+        <p:style>
+          <a:lnRef idx="1">
+            <a:schemeClr val="accent1"/>
+          </a:lnRef>
+          <a:fillRef idx="0">
+            <a:schemeClr val="accent1"/>
+          </a:fillRef>
+          <a:effectRef idx="0">
+            <a:schemeClr val="accent1"/>
+          </a:effectRef>
+          <a:fontRef idx="minor">
+            <a:schemeClr val="tx1"/>
+          </a:fontRef>
+        </p:style>
+      </p:cxnSp>
+      <p:sp>
+        <p:nvSpPr>
+          <p:cNvPr id="175" name="Rectangle 174">
+            <a:extLst>
+              <a:ext uri="{FF2B5EF4-FFF2-40B4-BE49-F238E27FC236}">
+                <a16:creationId xmlns:a16="http://schemas.microsoft.com/office/drawing/2014/main" id="{F8278123-0B36-B349-BB43-781774C6539A}"/>
+              </a:ext>
+            </a:extLst>
+          </p:cNvPr>
+          <p:cNvSpPr/>
+          <p:nvPr/>
+        </p:nvSpPr>
+        <p:spPr>
+          <a:xfrm flipV="1">
+            <a:off x="13379886" y="9558655"/>
+            <a:ext cx="255197" cy="241650"/>
+          </a:xfrm>
+          <a:prstGeom prst="rect">
+            <a:avLst/>
+          </a:prstGeom>
+          <a:noFill/>
+          <a:ln>
+            <a:noFill/>
+          </a:ln>
+        </p:spPr>
+        <p:style>
+          <a:lnRef idx="2">
+            <a:schemeClr val="accent1">
+              <a:shade val="50000"/>
+            </a:schemeClr>
+          </a:lnRef>
+          <a:fillRef idx="1">
+            <a:schemeClr val="accent1"/>
+          </a:fillRef>
+          <a:effectRef idx="0">
+            <a:schemeClr val="accent1"/>
+          </a:effectRef>
+          <a:fontRef idx="minor">
+            <a:schemeClr val="lt1"/>
+          </a:fontRef>
+        </p:style>
+        <p:txBody>
+          <a:bodyPr rtlCol="0" anchor="ctr"/>
+          <a:lstStyle/>
+          <a:p>
+            <a:pPr algn="ctr"/>
+            <a:endParaRPr lang="en-CN"/>
+          </a:p>
+        </p:txBody>
+      </p:sp>
+      <p:sp>
+        <p:nvSpPr>
+          <p:cNvPr id="157" name="Rectangle 156">
+            <a:extLst>
+              <a:ext uri="{FF2B5EF4-FFF2-40B4-BE49-F238E27FC236}">
+                <a16:creationId xmlns:a16="http://schemas.microsoft.com/office/drawing/2014/main" id="{38EC3580-AEBF-F94F-A102-CFB7836C9000}"/>
+              </a:ext>
+            </a:extLst>
+          </p:cNvPr>
+          <p:cNvSpPr/>
+          <p:nvPr/>
+        </p:nvSpPr>
+        <p:spPr>
+          <a:xfrm flipV="1">
+            <a:off x="12042917" y="1077975"/>
+            <a:ext cx="255197" cy="241650"/>
+          </a:xfrm>
+          <a:prstGeom prst="rect">
+            <a:avLst/>
+          </a:prstGeom>
+          <a:noFill/>
+          <a:ln>
+            <a:noFill/>
+          </a:ln>
+        </p:spPr>
+        <p:style>
+          <a:lnRef idx="2">
+            <a:schemeClr val="accent1">
+              <a:shade val="50000"/>
+            </a:schemeClr>
+          </a:lnRef>
+          <a:fillRef idx="1">
+            <a:schemeClr val="accent1"/>
+          </a:fillRef>
+          <a:effectRef idx="0">
+            <a:schemeClr val="accent1"/>
+          </a:effectRef>
+          <a:fontRef idx="minor">
+            <a:schemeClr val="lt1"/>
+          </a:fontRef>
+        </p:style>
+        <p:txBody>
+          <a:bodyPr rtlCol="0" anchor="ctr"/>
+          <a:lstStyle/>
+          <a:p>
+            <a:pPr algn="ctr"/>
+            <a:endParaRPr lang="en-CN"/>
           </a:p>
         </p:txBody>
       </p:sp>
